--- a/trunk/PHR-P02-L1_OptimisationResults_BATCH1.pptx
+++ b/trunk/PHR-P02-L1_OptimisationResults_BATCH1.pptx
@@ -3853,11 +3853,7 @@
             </a:br>
             <a:r>
               <a:rPr lang="fr-FR" sz="2800" b="1" dirty="0" smtClean="0"/>
-              <a:t>sans </a:t>
-            </a:r>
-            <a:r>
-              <a:rPr lang="fr-FR" sz="2800" b="1" dirty="0" smtClean="0"/>
-              <a:t>méta-modèle</a:t>
+              <a:t>sans méta-modèle</a:t>
             </a:r>
             <a:br>
               <a:rPr lang="fr-FR" sz="2800" b="1" dirty="0" smtClean="0"/>
@@ -3866,10 +3862,6 @@
               <a:rPr lang="fr-FR" sz="2800" b="1" dirty="0" smtClean="0"/>
               <a:t>Batch 1</a:t>
             </a:r>
-            <a:r>
-              <a:rPr lang="fr-FR" sz="2800" b="1" dirty="0" smtClean="0"/>
-              <a:t/>
-            </a:r>
             <a:br>
               <a:rPr lang="fr-FR" sz="2800" b="1" dirty="0" smtClean="0"/>
             </a:br>
@@ -3887,13 +3879,6 @@
               </a:rPr>
               <a:t> </a:t>
             </a:r>
-            <a:endParaRPr lang="fr-FR" sz="2800" dirty="0" smtClean="0">
-              <a:solidFill>
-                <a:srgbClr val="8B8178"/>
-              </a:solidFill>
-              <a:latin typeface="Lucida Bright" pitchFamily="18" charset="0"/>
-              <a:cs typeface="Lucida Bright" pitchFamily="18" charset="0"/>
-            </a:endParaRPr>
           </a:p>
         </p:txBody>
       </p:sp>
@@ -22966,7 +22951,19 @@
               <a:rPr lang="fr-FR" sz="1600" b="1" i="1" dirty="0" smtClean="0">
                 <a:latin typeface="+mn-lt"/>
               </a:rPr>
-              <a:t> de l’enrichissement moyen, mais il ne respecte pas du tout le critère de curée de cycle, contrairement aux autres SET.</a:t>
+              <a:t> de l’enrichissement moyen, mais il ne respecte pas du tout le critère de </a:t>
+            </a:r>
+            <a:r>
+              <a:rPr lang="fr-FR" sz="1600" b="1" i="1" dirty="0" smtClean="0">
+                <a:latin typeface="+mn-lt"/>
+              </a:rPr>
+              <a:t>durée </a:t>
+            </a:r>
+            <a:r>
+              <a:rPr lang="fr-FR" sz="1600" b="1" i="1" dirty="0" smtClean="0">
+                <a:latin typeface="+mn-lt"/>
+              </a:rPr>
+              <a:t>de cycle, contrairement aux autres SET.</a:t>
             </a:r>
             <a:endParaRPr lang="es-ES" sz="1600" i="1" dirty="0">
               <a:latin typeface="+mn-lt"/>
@@ -26182,7 +26179,25 @@
               <a:rPr lang="fr-FR" sz="1600" b="1" i="1" dirty="0" smtClean="0">
                 <a:latin typeface="+mn-lt"/>
               </a:rPr>
-              <a:t>Il existe une faible distribution des SET selon les rapports d’enrichissement et les paramètres : ce qui signifie que la puissance volumique (c’est-à-dire le flux) est un paramètre clé de l’optimisation vis-à-vis des différents critères</a:t>
+              <a:t>Il existe une faible distribution des SET selon les rapports d’enrichissement </a:t>
+            </a:r>
+            <a:r>
+              <a:rPr lang="fr-FR" sz="1600" b="1" i="1" dirty="0" smtClean="0">
+                <a:latin typeface="+mn-lt"/>
+              </a:rPr>
+              <a:t>la puissance volumique </a:t>
+            </a:r>
+            <a:r>
+              <a:rPr lang="fr-FR" sz="1600" b="1" i="1" dirty="0" smtClean="0">
+                <a:latin typeface="+mn-lt"/>
+              </a:rPr>
+              <a:t>: </a:t>
+            </a:r>
+            <a:r>
+              <a:rPr lang="fr-FR" sz="1600" b="1" i="1" dirty="0" smtClean="0">
+                <a:latin typeface="+mn-lt"/>
+              </a:rPr>
+              <a:t>ce qui signifie que la puissance volumique (c’est-à-dire le flux) est un paramètre clé de l’optimisation vis-à-vis des différents critères</a:t>
             </a:r>
           </a:p>
           <a:p>
@@ -26834,50 +26849,6 @@
             <a:endParaRPr lang="es-ES" sz="1600" i="1" dirty="0">
               <a:latin typeface="+mn-lt"/>
             </a:endParaRPr>
-          </a:p>
-        </p:txBody>
-      </p:sp>
-      <p:sp>
-        <p:nvSpPr>
-          <p:cNvPr id="14" name="Rectangle 13"/>
-          <p:cNvSpPr/>
-          <p:nvPr/>
-        </p:nvSpPr>
-        <p:spPr>
-          <a:xfrm>
-            <a:off x="-1" y="5880174"/>
-            <a:ext cx="9144001" cy="1077218"/>
-          </a:xfrm>
-          <a:prstGeom prst="rect">
-            <a:avLst/>
-          </a:prstGeom>
-        </p:spPr>
-        <p:txBody>
-          <a:bodyPr wrap="square">
-            <a:spAutoFit/>
-          </a:bodyPr>
-          <a:lstStyle/>
-          <a:p>
-            <a:r>
-              <a:rPr lang="fr-FR" sz="1600" b="1" i="1" dirty="0" smtClean="0">
-                <a:latin typeface="+mn-lt"/>
-              </a:rPr>
-              <a:t>Il existe une faible distribution des SET selon les rapports d’enrichissement et les paramètres : ce qui signifie que la puissance volumique (c’est-à-dire le flux) est un paramètre clé de l’optimisation vis-à-vis des différents critères</a:t>
-            </a:r>
-          </a:p>
-          <a:p>
-            <a:r>
-              <a:rPr lang="fr-FR" sz="1600" b="1" i="1" dirty="0" smtClean="0">
-                <a:latin typeface="+mn-lt"/>
-              </a:rPr>
-              <a:t>Seul le SET 1 couvrent des puissances volumiques supérieurs à 50 MW/m</a:t>
-            </a:r>
-            <a:r>
-              <a:rPr lang="fr-FR" sz="1600" b="1" i="1" baseline="30000" dirty="0" smtClean="0">
-                <a:latin typeface="+mn-lt"/>
-              </a:rPr>
-              <a:t>3</a:t>
-            </a:r>
           </a:p>
         </p:txBody>
       </p:sp>
@@ -30237,70 +30208,6 @@
           </a:extLst>
         </p:spPr>
       </p:pic>
-      <p:pic>
-        <p:nvPicPr>
-          <p:cNvPr id="4101" name="Picture 5"/>
-          <p:cNvPicPr>
-            <a:picLocks noChangeAspect="1" noChangeArrowheads="1"/>
-          </p:cNvPicPr>
-          <p:nvPr/>
-        </p:nvPicPr>
-        <p:blipFill>
-          <a:blip r:embed="rId3">
-            <a:extLst>
-              <a:ext uri="{28A0092B-C50C-407E-A947-70E740481C1C}">
-                <a14:useLocalDpi xmlns:a14="http://schemas.microsoft.com/office/drawing/2010/main" val="0"/>
-              </a:ext>
-            </a:extLst>
-          </a:blip>
-          <a:srcRect/>
-          <a:stretch>
-            <a:fillRect/>
-          </a:stretch>
-        </p:blipFill>
-        <p:spPr bwMode="auto">
-          <a:xfrm>
-            <a:off x="147463" y="952500"/>
-            <a:ext cx="7808913" cy="4960938"/>
-          </a:xfrm>
-          <a:prstGeom prst="rect">
-            <a:avLst/>
-          </a:prstGeom>
-          <a:noFill/>
-          <a:ln>
-            <a:noFill/>
-          </a:ln>
-          <a:effectLst/>
-          <a:extLst>
-            <a:ext uri="{909E8E84-426E-40DD-AFC4-6F175D3DCCD1}">
-              <a14:hiddenFill xmlns:a14="http://schemas.microsoft.com/office/drawing/2010/main">
-                <a:solidFill>
-                  <a:schemeClr val="accent1"/>
-                </a:solidFill>
-              </a14:hiddenFill>
-            </a:ext>
-            <a:ext uri="{91240B29-F687-4F45-9708-019B960494DF}">
-              <a14:hiddenLine xmlns:a14="http://schemas.microsoft.com/office/drawing/2010/main" w="9525">
-                <a:solidFill>
-                  <a:schemeClr val="tx1"/>
-                </a:solidFill>
-                <a:miter lim="800000"/>
-                <a:headEnd/>
-                <a:tailEnd/>
-              </a14:hiddenLine>
-            </a:ext>
-            <a:ext uri="{AF507438-7753-43E0-B8FC-AC1667EBCBE1}">
-              <a14:hiddenEffects xmlns:a14="http://schemas.microsoft.com/office/drawing/2010/main">
-                <a:effectLst>
-                  <a:outerShdw dist="35921" dir="2700000" algn="ctr" rotWithShape="0">
-                    <a:schemeClr val="bg2"/>
-                  </a:outerShdw>
-                </a:effectLst>
-              </a14:hiddenEffects>
-            </a:ext>
-          </a:extLst>
-        </p:spPr>
-      </p:pic>
       <p:sp>
         <p:nvSpPr>
           <p:cNvPr id="7" name="Rectangle 6"/>
@@ -30344,6 +30251,70 @@
           </a:p>
         </p:txBody>
       </p:sp>
+      <p:pic>
+        <p:nvPicPr>
+          <p:cNvPr id="1026" name="Picture 2"/>
+          <p:cNvPicPr>
+            <a:picLocks noChangeAspect="1" noChangeArrowheads="1"/>
+          </p:cNvPicPr>
+          <p:nvPr/>
+        </p:nvPicPr>
+        <p:blipFill>
+          <a:blip r:embed="rId3">
+            <a:extLst>
+              <a:ext uri="{28A0092B-C50C-407E-A947-70E740481C1C}">
+                <a14:useLocalDpi xmlns:a14="http://schemas.microsoft.com/office/drawing/2010/main" val="0"/>
+              </a:ext>
+            </a:extLst>
+          </a:blip>
+          <a:srcRect/>
+          <a:stretch>
+            <a:fillRect/>
+          </a:stretch>
+        </p:blipFill>
+        <p:spPr bwMode="auto">
+          <a:xfrm>
+            <a:off x="317759" y="1143000"/>
+            <a:ext cx="7480300" cy="5151438"/>
+          </a:xfrm>
+          <a:prstGeom prst="rect">
+            <a:avLst/>
+          </a:prstGeom>
+          <a:noFill/>
+          <a:ln>
+            <a:noFill/>
+          </a:ln>
+          <a:effectLst/>
+          <a:extLst>
+            <a:ext uri="{909E8E84-426E-40DD-AFC4-6F175D3DCCD1}">
+              <a14:hiddenFill xmlns:a14="http://schemas.microsoft.com/office/drawing/2010/main">
+                <a:solidFill>
+                  <a:schemeClr val="accent1"/>
+                </a:solidFill>
+              </a14:hiddenFill>
+            </a:ext>
+            <a:ext uri="{91240B29-F687-4F45-9708-019B960494DF}">
+              <a14:hiddenLine xmlns:a14="http://schemas.microsoft.com/office/drawing/2010/main" w="9525">
+                <a:solidFill>
+                  <a:schemeClr val="tx1"/>
+                </a:solidFill>
+                <a:miter lim="800000"/>
+                <a:headEnd/>
+                <a:tailEnd/>
+              </a14:hiddenLine>
+            </a:ext>
+            <a:ext uri="{AF507438-7753-43E0-B8FC-AC1667EBCBE1}">
+              <a14:hiddenEffects xmlns:a14="http://schemas.microsoft.com/office/drawing/2010/main">
+                <a:effectLst>
+                  <a:outerShdw dist="35921" dir="2700000" algn="ctr" rotWithShape="0">
+                    <a:schemeClr val="bg2"/>
+                  </a:outerShdw>
+                </a:effectLst>
+              </a14:hiddenEffects>
+            </a:ext>
+          </a:extLst>
+        </p:spPr>
+      </p:pic>
     </p:spTree>
     <p:extLst>
       <p:ext uri="{BB962C8B-B14F-4D97-AF65-F5344CB8AC3E}">
@@ -30685,13 +30656,13 @@
           <p:nvPr>
             <p:extLst>
               <p:ext uri="{D42A27DB-BD31-4B8C-83A1-F6EECF244321}">
-                <p14:modId xmlns:p14="http://schemas.microsoft.com/office/powerpoint/2010/main" val="909124748"/>
+                <p14:modId xmlns:p14="http://schemas.microsoft.com/office/powerpoint/2010/main" val="1893099479"/>
               </p:ext>
             </p:extLst>
           </p:nvPr>
         </p:nvGraphicFramePr>
         <p:xfrm>
-          <a:off x="4067944" y="795699"/>
+          <a:off x="4067944" y="1751789"/>
           <a:ext cx="4820469" cy="3929445"/>
         </p:xfrm>
         <a:graphic>
@@ -31128,82 +31099,6 @@
                     <a:p>
                       <a:pPr algn="ctr" fontAlgn="b"/>
                       <a:r>
-                        <a:rPr lang="fr-FR" sz="1400" b="0" i="0" u="none" strike="noStrike" dirty="0">
-                          <a:solidFill>
-                            <a:srgbClr val="000000"/>
-                          </a:solidFill>
-                          <a:effectLst/>
-                          <a:latin typeface="Calibri"/>
-                        </a:rPr>
-                        <a:t>1,1</a:t>
-                      </a:r>
-                      <a:br>
-                        <a:rPr lang="fr-FR" sz="1400" b="0" i="0" u="none" strike="noStrike" dirty="0">
-                          <a:solidFill>
-                            <a:srgbClr val="000000"/>
-                          </a:solidFill>
-                          <a:effectLst/>
-                          <a:latin typeface="Calibri"/>
-                        </a:rPr>
-                      </a:br>
-                      <a:r>
-                        <a:rPr lang="fr-FR" sz="1400" b="0" i="0" u="none" strike="noStrike" dirty="0">
-                          <a:solidFill>
-                            <a:srgbClr val="000000"/>
-                          </a:solidFill>
-                          <a:effectLst/>
-                          <a:latin typeface="Calibri"/>
-                        </a:rPr>
-                        <a:t>7%</a:t>
-                      </a:r>
-                    </a:p>
-                  </a:txBody>
-                  <a:tcPr marL="9525" marR="9525" marT="9525" marB="0" anchor="b">
-                    <a:lnL w="6350" cap="flat" cmpd="sng" algn="ctr">
-                      <a:solidFill>
-                        <a:srgbClr val="000000"/>
-                      </a:solidFill>
-                      <a:prstDash val="solid"/>
-                      <a:round/>
-                      <a:headEnd type="none" w="med" len="med"/>
-                      <a:tailEnd type="none" w="med" len="med"/>
-                    </a:lnL>
-                    <a:lnR w="6350" cap="flat" cmpd="sng" algn="ctr">
-                      <a:solidFill>
-                        <a:srgbClr val="000000"/>
-                      </a:solidFill>
-                      <a:prstDash val="solid"/>
-                      <a:round/>
-                      <a:headEnd type="none" w="med" len="med"/>
-                      <a:tailEnd type="none" w="med" len="med"/>
-                    </a:lnR>
-                    <a:lnT w="6350" cap="flat" cmpd="sng" algn="ctr">
-                      <a:solidFill>
-                        <a:srgbClr val="000000"/>
-                      </a:solidFill>
-                      <a:prstDash val="solid"/>
-                      <a:round/>
-                      <a:headEnd type="none" w="med" len="med"/>
-                      <a:tailEnd type="none" w="med" len="med"/>
-                    </a:lnT>
-                    <a:lnB w="6350" cap="flat" cmpd="sng" algn="ctr">
-                      <a:solidFill>
-                        <a:srgbClr val="000000"/>
-                      </a:solidFill>
-                      <a:prstDash val="solid"/>
-                      <a:round/>
-                      <a:headEnd type="none" w="med" len="med"/>
-                      <a:tailEnd type="none" w="med" len="med"/>
-                    </a:lnB>
-                  </a:tcPr>
-                </a:tc>
-                <a:tc>
-                  <a:txBody>
-                    <a:bodyPr/>
-                    <a:lstStyle/>
-                    <a:p>
-                      <a:pPr algn="ctr" fontAlgn="b"/>
-                      <a:r>
                         <a:rPr lang="fr-FR" sz="1400" b="0" i="0" u="none" strike="noStrike">
                           <a:solidFill>
                             <a:srgbClr val="000000"/>
@@ -31230,7 +31125,7 @@
                           <a:effectLst/>
                           <a:latin typeface="Calibri"/>
                         </a:rPr>
-                        <a:t>9%</a:t>
+                        <a:t>7%</a:t>
                       </a:r>
                     </a:p>
                   </a:txBody>
@@ -31425,6 +31320,82 @@
                     </a:lnB>
                   </a:tcPr>
                 </a:tc>
+                <a:tc>
+                  <a:txBody>
+                    <a:bodyPr/>
+                    <a:lstStyle/>
+                    <a:p>
+                      <a:pPr algn="ctr" fontAlgn="b"/>
+                      <a:r>
+                        <a:rPr lang="fr-FR" sz="1400" b="0" i="0" u="none" strike="noStrike">
+                          <a:solidFill>
+                            <a:srgbClr val="000000"/>
+                          </a:solidFill>
+                          <a:effectLst/>
+                          <a:latin typeface="Calibri"/>
+                        </a:rPr>
+                        <a:t>1,1</a:t>
+                      </a:r>
+                      <a:br>
+                        <a:rPr lang="fr-FR" sz="1400" b="0" i="0" u="none" strike="noStrike">
+                          <a:solidFill>
+                            <a:srgbClr val="000000"/>
+                          </a:solidFill>
+                          <a:effectLst/>
+                          <a:latin typeface="Calibri"/>
+                        </a:rPr>
+                      </a:br>
+                      <a:r>
+                        <a:rPr lang="fr-FR" sz="1400" b="0" i="0" u="none" strike="noStrike">
+                          <a:solidFill>
+                            <a:srgbClr val="000000"/>
+                          </a:solidFill>
+                          <a:effectLst/>
+                          <a:latin typeface="Calibri"/>
+                        </a:rPr>
+                        <a:t>9%</a:t>
+                      </a:r>
+                    </a:p>
+                  </a:txBody>
+                  <a:tcPr marL="9525" marR="9525" marT="9525" marB="0" anchor="b">
+                    <a:lnL w="6350" cap="flat" cmpd="sng" algn="ctr">
+                      <a:solidFill>
+                        <a:srgbClr val="000000"/>
+                      </a:solidFill>
+                      <a:prstDash val="solid"/>
+                      <a:round/>
+                      <a:headEnd type="none" w="med" len="med"/>
+                      <a:tailEnd type="none" w="med" len="med"/>
+                    </a:lnL>
+                    <a:lnR w="6350" cap="flat" cmpd="sng" algn="ctr">
+                      <a:solidFill>
+                        <a:srgbClr val="000000"/>
+                      </a:solidFill>
+                      <a:prstDash val="solid"/>
+                      <a:round/>
+                      <a:headEnd type="none" w="med" len="med"/>
+                      <a:tailEnd type="none" w="med" len="med"/>
+                    </a:lnR>
+                    <a:lnT w="6350" cap="flat" cmpd="sng" algn="ctr">
+                      <a:solidFill>
+                        <a:srgbClr val="000000"/>
+                      </a:solidFill>
+                      <a:prstDash val="solid"/>
+                      <a:round/>
+                      <a:headEnd type="none" w="med" len="med"/>
+                      <a:tailEnd type="none" w="med" len="med"/>
+                    </a:lnT>
+                    <a:lnB w="6350" cap="flat" cmpd="sng" algn="ctr">
+                      <a:solidFill>
+                        <a:srgbClr val="000000"/>
+                      </a:solidFill>
+                      <a:prstDash val="solid"/>
+                      <a:round/>
+                      <a:headEnd type="none" w="med" len="med"/>
+                      <a:tailEnd type="none" w="med" len="med"/>
+                    </a:lnB>
+                  </a:tcPr>
+                </a:tc>
               </a:tr>
               <a:tr h="436650">
                 <a:tc>
@@ -31577,7 +31548,7 @@
                           <a:effectLst/>
                           <a:latin typeface="Calibri"/>
                         </a:rPr>
-                        <a:t>242</a:t>
+                        <a:t>115</a:t>
                       </a:r>
                       <a:br>
                         <a:rPr lang="fr-FR" sz="1400" b="0" i="0" u="none" strike="noStrike">
@@ -31590,82 +31561,6 @@
                       </a:br>
                       <a:r>
                         <a:rPr lang="fr-FR" sz="1400" b="0" i="0" u="none" strike="noStrike">
-                          <a:solidFill>
-                            <a:srgbClr val="000000"/>
-                          </a:solidFill>
-                          <a:effectLst/>
-                          <a:latin typeface="Calibri"/>
-                        </a:rPr>
-                        <a:t>15%</a:t>
-                      </a:r>
-                    </a:p>
-                  </a:txBody>
-                  <a:tcPr marL="9525" marR="9525" marT="9525" marB="0" anchor="b">
-                    <a:lnL w="6350" cap="flat" cmpd="sng" algn="ctr">
-                      <a:solidFill>
-                        <a:srgbClr val="000000"/>
-                      </a:solidFill>
-                      <a:prstDash val="solid"/>
-                      <a:round/>
-                      <a:headEnd type="none" w="med" len="med"/>
-                      <a:tailEnd type="none" w="med" len="med"/>
-                    </a:lnL>
-                    <a:lnR w="6350" cap="flat" cmpd="sng" algn="ctr">
-                      <a:solidFill>
-                        <a:srgbClr val="000000"/>
-                      </a:solidFill>
-                      <a:prstDash val="solid"/>
-                      <a:round/>
-                      <a:headEnd type="none" w="med" len="med"/>
-                      <a:tailEnd type="none" w="med" len="med"/>
-                    </a:lnR>
-                    <a:lnT w="6350" cap="flat" cmpd="sng" algn="ctr">
-                      <a:solidFill>
-                        <a:srgbClr val="000000"/>
-                      </a:solidFill>
-                      <a:prstDash val="solid"/>
-                      <a:round/>
-                      <a:headEnd type="none" w="med" len="med"/>
-                      <a:tailEnd type="none" w="med" len="med"/>
-                    </a:lnT>
-                    <a:lnB w="6350" cap="flat" cmpd="sng" algn="ctr">
-                      <a:solidFill>
-                        <a:srgbClr val="000000"/>
-                      </a:solidFill>
-                      <a:prstDash val="solid"/>
-                      <a:round/>
-                      <a:headEnd type="none" w="med" len="med"/>
-                      <a:tailEnd type="none" w="med" len="med"/>
-                    </a:lnB>
-                  </a:tcPr>
-                </a:tc>
-                <a:tc>
-                  <a:txBody>
-                    <a:bodyPr/>
-                    <a:lstStyle/>
-                    <a:p>
-                      <a:pPr algn="ctr" fontAlgn="b"/>
-                      <a:r>
-                        <a:rPr lang="fr-FR" sz="1400" b="0" i="0" u="none" strike="noStrike" dirty="0">
-                          <a:solidFill>
-                            <a:srgbClr val="000000"/>
-                          </a:solidFill>
-                          <a:effectLst/>
-                          <a:latin typeface="Calibri"/>
-                        </a:rPr>
-                        <a:t>115</a:t>
-                      </a:r>
-                      <a:br>
-                        <a:rPr lang="fr-FR" sz="1400" b="0" i="0" u="none" strike="noStrike" dirty="0">
-                          <a:solidFill>
-                            <a:srgbClr val="000000"/>
-                          </a:solidFill>
-                          <a:effectLst/>
-                          <a:latin typeface="Calibri"/>
-                        </a:rPr>
-                      </a:br>
-                      <a:r>
-                        <a:rPr lang="fr-FR" sz="1400" b="0" i="0" u="none" strike="noStrike" dirty="0">
                           <a:solidFill>
                             <a:srgbClr val="000000"/>
                           </a:solidFill>
@@ -31749,6 +31644,82 @@
                           <a:latin typeface="Calibri"/>
                         </a:rPr>
                         <a:t>10%</a:t>
+                      </a:r>
+                    </a:p>
+                  </a:txBody>
+                  <a:tcPr marL="9525" marR="9525" marT="9525" marB="0" anchor="b">
+                    <a:lnL w="6350" cap="flat" cmpd="sng" algn="ctr">
+                      <a:solidFill>
+                        <a:srgbClr val="000000"/>
+                      </a:solidFill>
+                      <a:prstDash val="solid"/>
+                      <a:round/>
+                      <a:headEnd type="none" w="med" len="med"/>
+                      <a:tailEnd type="none" w="med" len="med"/>
+                    </a:lnL>
+                    <a:lnR w="6350" cap="flat" cmpd="sng" algn="ctr">
+                      <a:solidFill>
+                        <a:srgbClr val="000000"/>
+                      </a:solidFill>
+                      <a:prstDash val="solid"/>
+                      <a:round/>
+                      <a:headEnd type="none" w="med" len="med"/>
+                      <a:tailEnd type="none" w="med" len="med"/>
+                    </a:lnR>
+                    <a:lnT w="6350" cap="flat" cmpd="sng" algn="ctr">
+                      <a:solidFill>
+                        <a:srgbClr val="000000"/>
+                      </a:solidFill>
+                      <a:prstDash val="solid"/>
+                      <a:round/>
+                      <a:headEnd type="none" w="med" len="med"/>
+                      <a:tailEnd type="none" w="med" len="med"/>
+                    </a:lnT>
+                    <a:lnB w="6350" cap="flat" cmpd="sng" algn="ctr">
+                      <a:solidFill>
+                        <a:srgbClr val="000000"/>
+                      </a:solidFill>
+                      <a:prstDash val="solid"/>
+                      <a:round/>
+                      <a:headEnd type="none" w="med" len="med"/>
+                      <a:tailEnd type="none" w="med" len="med"/>
+                    </a:lnB>
+                  </a:tcPr>
+                </a:tc>
+                <a:tc>
+                  <a:txBody>
+                    <a:bodyPr/>
+                    <a:lstStyle/>
+                    <a:p>
+                      <a:pPr algn="ctr" fontAlgn="b"/>
+                      <a:r>
+                        <a:rPr lang="fr-FR" sz="1400" b="0" i="0" u="none" strike="noStrike">
+                          <a:solidFill>
+                            <a:srgbClr val="000000"/>
+                          </a:solidFill>
+                          <a:effectLst/>
+                          <a:latin typeface="Calibri"/>
+                        </a:rPr>
+                        <a:t>242</a:t>
+                      </a:r>
+                      <a:br>
+                        <a:rPr lang="fr-FR" sz="1400" b="0" i="0" u="none" strike="noStrike">
+                          <a:solidFill>
+                            <a:srgbClr val="000000"/>
+                          </a:solidFill>
+                          <a:effectLst/>
+                          <a:latin typeface="Calibri"/>
+                        </a:rPr>
+                      </a:br>
+                      <a:r>
+                        <a:rPr lang="fr-FR" sz="1400" b="0" i="0" u="none" strike="noStrike">
+                          <a:solidFill>
+                            <a:srgbClr val="000000"/>
+                          </a:solidFill>
+                          <a:effectLst/>
+                          <a:latin typeface="Calibri"/>
+                        </a:rPr>
+                        <a:t>15%</a:t>
                       </a:r>
                     </a:p>
                   </a:txBody>
@@ -31993,82 +31964,6 @@
                           <a:effectLst/>
                           <a:latin typeface="Calibri"/>
                         </a:rPr>
-                        <a:t>331</a:t>
-                      </a:r>
-                      <a:br>
-                        <a:rPr lang="fr-FR" sz="1400" b="0" i="0" u="none" strike="noStrike">
-                          <a:solidFill>
-                            <a:srgbClr val="000000"/>
-                          </a:solidFill>
-                          <a:effectLst/>
-                          <a:latin typeface="Calibri"/>
-                        </a:rPr>
-                      </a:br>
-                      <a:r>
-                        <a:rPr lang="fr-FR" sz="1400" b="0" i="0" u="none" strike="noStrike">
-                          <a:solidFill>
-                            <a:srgbClr val="000000"/>
-                          </a:solidFill>
-                          <a:effectLst/>
-                          <a:latin typeface="Calibri"/>
-                        </a:rPr>
-                        <a:t>10%</a:t>
-                      </a:r>
-                    </a:p>
-                  </a:txBody>
-                  <a:tcPr marL="9525" marR="9525" marT="9525" marB="0" anchor="b">
-                    <a:lnL w="6350" cap="flat" cmpd="sng" algn="ctr">
-                      <a:solidFill>
-                        <a:srgbClr val="000000"/>
-                      </a:solidFill>
-                      <a:prstDash val="solid"/>
-                      <a:round/>
-                      <a:headEnd type="none" w="med" len="med"/>
-                      <a:tailEnd type="none" w="med" len="med"/>
-                    </a:lnL>
-                    <a:lnR w="6350" cap="flat" cmpd="sng" algn="ctr">
-                      <a:solidFill>
-                        <a:srgbClr val="000000"/>
-                      </a:solidFill>
-                      <a:prstDash val="solid"/>
-                      <a:round/>
-                      <a:headEnd type="none" w="med" len="med"/>
-                      <a:tailEnd type="none" w="med" len="med"/>
-                    </a:lnR>
-                    <a:lnT w="6350" cap="flat" cmpd="sng" algn="ctr">
-                      <a:solidFill>
-                        <a:srgbClr val="000000"/>
-                      </a:solidFill>
-                      <a:prstDash val="solid"/>
-                      <a:round/>
-                      <a:headEnd type="none" w="med" len="med"/>
-                      <a:tailEnd type="none" w="med" len="med"/>
-                    </a:lnT>
-                    <a:lnB w="6350" cap="flat" cmpd="sng" algn="ctr">
-                      <a:solidFill>
-                        <a:srgbClr val="000000"/>
-                      </a:solidFill>
-                      <a:prstDash val="solid"/>
-                      <a:round/>
-                      <a:headEnd type="none" w="med" len="med"/>
-                      <a:tailEnd type="none" w="med" len="med"/>
-                    </a:lnB>
-                  </a:tcPr>
-                </a:tc>
-                <a:tc>
-                  <a:txBody>
-                    <a:bodyPr/>
-                    <a:lstStyle/>
-                    <a:p>
-                      <a:pPr algn="ctr" fontAlgn="b"/>
-                      <a:r>
-                        <a:rPr lang="fr-FR" sz="1400" b="0" i="0" u="none" strike="noStrike">
-                          <a:solidFill>
-                            <a:srgbClr val="000000"/>
-                          </a:solidFill>
-                          <a:effectLst/>
-                          <a:latin typeface="Calibri"/>
-                        </a:rPr>
                         <a:t>123</a:t>
                       </a:r>
                       <a:br>
@@ -32165,6 +32060,82 @@
                           <a:latin typeface="Calibri"/>
                         </a:rPr>
                         <a:t>8%</a:t>
+                      </a:r>
+                    </a:p>
+                  </a:txBody>
+                  <a:tcPr marL="9525" marR="9525" marT="9525" marB="0" anchor="b">
+                    <a:lnL w="6350" cap="flat" cmpd="sng" algn="ctr">
+                      <a:solidFill>
+                        <a:srgbClr val="000000"/>
+                      </a:solidFill>
+                      <a:prstDash val="solid"/>
+                      <a:round/>
+                      <a:headEnd type="none" w="med" len="med"/>
+                      <a:tailEnd type="none" w="med" len="med"/>
+                    </a:lnL>
+                    <a:lnR w="6350" cap="flat" cmpd="sng" algn="ctr">
+                      <a:solidFill>
+                        <a:srgbClr val="000000"/>
+                      </a:solidFill>
+                      <a:prstDash val="solid"/>
+                      <a:round/>
+                      <a:headEnd type="none" w="med" len="med"/>
+                      <a:tailEnd type="none" w="med" len="med"/>
+                    </a:lnR>
+                    <a:lnT w="6350" cap="flat" cmpd="sng" algn="ctr">
+                      <a:solidFill>
+                        <a:srgbClr val="000000"/>
+                      </a:solidFill>
+                      <a:prstDash val="solid"/>
+                      <a:round/>
+                      <a:headEnd type="none" w="med" len="med"/>
+                      <a:tailEnd type="none" w="med" len="med"/>
+                    </a:lnT>
+                    <a:lnB w="6350" cap="flat" cmpd="sng" algn="ctr">
+                      <a:solidFill>
+                        <a:srgbClr val="000000"/>
+                      </a:solidFill>
+                      <a:prstDash val="solid"/>
+                      <a:round/>
+                      <a:headEnd type="none" w="med" len="med"/>
+                      <a:tailEnd type="none" w="med" len="med"/>
+                    </a:lnB>
+                  </a:tcPr>
+                </a:tc>
+                <a:tc>
+                  <a:txBody>
+                    <a:bodyPr/>
+                    <a:lstStyle/>
+                    <a:p>
+                      <a:pPr algn="ctr" fontAlgn="b"/>
+                      <a:r>
+                        <a:rPr lang="fr-FR" sz="1400" b="0" i="0" u="none" strike="noStrike">
+                          <a:solidFill>
+                            <a:srgbClr val="000000"/>
+                          </a:solidFill>
+                          <a:effectLst/>
+                          <a:latin typeface="Calibri"/>
+                        </a:rPr>
+                        <a:t>331</a:t>
+                      </a:r>
+                      <a:br>
+                        <a:rPr lang="fr-FR" sz="1400" b="0" i="0" u="none" strike="noStrike">
+                          <a:solidFill>
+                            <a:srgbClr val="000000"/>
+                          </a:solidFill>
+                          <a:effectLst/>
+                          <a:latin typeface="Calibri"/>
+                        </a:rPr>
+                      </a:br>
+                      <a:r>
+                        <a:rPr lang="fr-FR" sz="1400" b="0" i="0" u="none" strike="noStrike">
+                          <a:solidFill>
+                            <a:srgbClr val="000000"/>
+                          </a:solidFill>
+                          <a:effectLst/>
+                          <a:latin typeface="Calibri"/>
+                        </a:rPr>
+                        <a:t>10%</a:t>
                       </a:r>
                     </a:p>
                   </a:txBody>
@@ -32359,82 +32330,6 @@
                           <a:effectLst/>
                           <a:latin typeface="Calibri"/>
                         </a:rPr>
-                        <a:t>29,0</a:t>
-                      </a:r>
-                      <a:br>
-                        <a:rPr lang="fr-FR" sz="1400" b="0" i="0" u="none" strike="noStrike">
-                          <a:solidFill>
-                            <a:srgbClr val="000000"/>
-                          </a:solidFill>
-                          <a:effectLst/>
-                          <a:latin typeface="Calibri"/>
-                        </a:rPr>
-                      </a:br>
-                      <a:r>
-                        <a:rPr lang="fr-FR" sz="1400" b="0" i="0" u="none" strike="noStrike">
-                          <a:solidFill>
-                            <a:srgbClr val="000000"/>
-                          </a:solidFill>
-                          <a:effectLst/>
-                          <a:latin typeface="Calibri"/>
-                        </a:rPr>
-                        <a:t>15%</a:t>
-                      </a:r>
-                    </a:p>
-                  </a:txBody>
-                  <a:tcPr marL="9525" marR="9525" marT="9525" marB="0" anchor="b">
-                    <a:lnL w="6350" cap="flat" cmpd="sng" algn="ctr">
-                      <a:solidFill>
-                        <a:srgbClr val="000000"/>
-                      </a:solidFill>
-                      <a:prstDash val="solid"/>
-                      <a:round/>
-                      <a:headEnd type="none" w="med" len="med"/>
-                      <a:tailEnd type="none" w="med" len="med"/>
-                    </a:lnL>
-                    <a:lnR w="6350" cap="flat" cmpd="sng" algn="ctr">
-                      <a:solidFill>
-                        <a:srgbClr val="000000"/>
-                      </a:solidFill>
-                      <a:prstDash val="solid"/>
-                      <a:round/>
-                      <a:headEnd type="none" w="med" len="med"/>
-                      <a:tailEnd type="none" w="med" len="med"/>
-                    </a:lnR>
-                    <a:lnT w="6350" cap="flat" cmpd="sng" algn="ctr">
-                      <a:solidFill>
-                        <a:srgbClr val="000000"/>
-                      </a:solidFill>
-                      <a:prstDash val="solid"/>
-                      <a:round/>
-                      <a:headEnd type="none" w="med" len="med"/>
-                      <a:tailEnd type="none" w="med" len="med"/>
-                    </a:lnT>
-                    <a:lnB w="6350" cap="flat" cmpd="sng" algn="ctr">
-                      <a:solidFill>
-                        <a:srgbClr val="000000"/>
-                      </a:solidFill>
-                      <a:prstDash val="solid"/>
-                      <a:round/>
-                      <a:headEnd type="none" w="med" len="med"/>
-                      <a:tailEnd type="none" w="med" len="med"/>
-                    </a:lnB>
-                  </a:tcPr>
-                </a:tc>
-                <a:tc>
-                  <a:txBody>
-                    <a:bodyPr/>
-                    <a:lstStyle/>
-                    <a:p>
-                      <a:pPr algn="ctr" fontAlgn="b"/>
-                      <a:r>
-                        <a:rPr lang="fr-FR" sz="1400" b="0" i="0" u="none" strike="noStrike">
-                          <a:solidFill>
-                            <a:srgbClr val="000000"/>
-                          </a:solidFill>
-                          <a:effectLst/>
-                          <a:latin typeface="Calibri"/>
-                        </a:rPr>
                         <a:t>13,8</a:t>
                       </a:r>
                       <a:br>
@@ -32531,6 +32426,82 @@
                           <a:latin typeface="Calibri"/>
                         </a:rPr>
                         <a:t>10%</a:t>
+                      </a:r>
+                    </a:p>
+                  </a:txBody>
+                  <a:tcPr marL="9525" marR="9525" marT="9525" marB="0" anchor="b">
+                    <a:lnL w="6350" cap="flat" cmpd="sng" algn="ctr">
+                      <a:solidFill>
+                        <a:srgbClr val="000000"/>
+                      </a:solidFill>
+                      <a:prstDash val="solid"/>
+                      <a:round/>
+                      <a:headEnd type="none" w="med" len="med"/>
+                      <a:tailEnd type="none" w="med" len="med"/>
+                    </a:lnL>
+                    <a:lnR w="6350" cap="flat" cmpd="sng" algn="ctr">
+                      <a:solidFill>
+                        <a:srgbClr val="000000"/>
+                      </a:solidFill>
+                      <a:prstDash val="solid"/>
+                      <a:round/>
+                      <a:headEnd type="none" w="med" len="med"/>
+                      <a:tailEnd type="none" w="med" len="med"/>
+                    </a:lnR>
+                    <a:lnT w="6350" cap="flat" cmpd="sng" algn="ctr">
+                      <a:solidFill>
+                        <a:srgbClr val="000000"/>
+                      </a:solidFill>
+                      <a:prstDash val="solid"/>
+                      <a:round/>
+                      <a:headEnd type="none" w="med" len="med"/>
+                      <a:tailEnd type="none" w="med" len="med"/>
+                    </a:lnT>
+                    <a:lnB w="6350" cap="flat" cmpd="sng" algn="ctr">
+                      <a:solidFill>
+                        <a:srgbClr val="000000"/>
+                      </a:solidFill>
+                      <a:prstDash val="solid"/>
+                      <a:round/>
+                      <a:headEnd type="none" w="med" len="med"/>
+                      <a:tailEnd type="none" w="med" len="med"/>
+                    </a:lnB>
+                  </a:tcPr>
+                </a:tc>
+                <a:tc>
+                  <a:txBody>
+                    <a:bodyPr/>
+                    <a:lstStyle/>
+                    <a:p>
+                      <a:pPr algn="ctr" fontAlgn="b"/>
+                      <a:r>
+                        <a:rPr lang="fr-FR" sz="1400" b="0" i="0" u="none" strike="noStrike">
+                          <a:solidFill>
+                            <a:srgbClr val="000000"/>
+                          </a:solidFill>
+                          <a:effectLst/>
+                          <a:latin typeface="Calibri"/>
+                        </a:rPr>
+                        <a:t>29,0</a:t>
+                      </a:r>
+                      <a:br>
+                        <a:rPr lang="fr-FR" sz="1400" b="0" i="0" u="none" strike="noStrike">
+                          <a:solidFill>
+                            <a:srgbClr val="000000"/>
+                          </a:solidFill>
+                          <a:effectLst/>
+                          <a:latin typeface="Calibri"/>
+                        </a:rPr>
+                      </a:br>
+                      <a:r>
+                        <a:rPr lang="fr-FR" sz="1400" b="0" i="0" u="none" strike="noStrike">
+                          <a:solidFill>
+                            <a:srgbClr val="000000"/>
+                          </a:solidFill>
+                          <a:effectLst/>
+                          <a:latin typeface="Calibri"/>
+                        </a:rPr>
+                        <a:t>15%</a:t>
                       </a:r>
                     </a:p>
                   </a:txBody>
@@ -32735,82 +32706,6 @@
                           <a:effectLst/>
                           <a:latin typeface="Calibri"/>
                         </a:rPr>
-                        <a:t>13,9</a:t>
-                      </a:r>
-                      <a:br>
-                        <a:rPr lang="fr-FR" sz="1400" b="0" i="0" u="none" strike="noStrike">
-                          <a:solidFill>
-                            <a:srgbClr val="000000"/>
-                          </a:solidFill>
-                          <a:effectLst/>
-                          <a:latin typeface="Calibri"/>
-                        </a:rPr>
-                      </a:br>
-                      <a:r>
-                        <a:rPr lang="fr-FR" sz="1400" b="0" i="0" u="none" strike="noStrike">
-                          <a:solidFill>
-                            <a:srgbClr val="000000"/>
-                          </a:solidFill>
-                          <a:effectLst/>
-                          <a:latin typeface="Calibri"/>
-                        </a:rPr>
-                        <a:t>7%</a:t>
-                      </a:r>
-                    </a:p>
-                  </a:txBody>
-                  <a:tcPr marL="9525" marR="9525" marT="9525" marB="0" anchor="b">
-                    <a:lnL w="6350" cap="flat" cmpd="sng" algn="ctr">
-                      <a:solidFill>
-                        <a:srgbClr val="000000"/>
-                      </a:solidFill>
-                      <a:prstDash val="solid"/>
-                      <a:round/>
-                      <a:headEnd type="none" w="med" len="med"/>
-                      <a:tailEnd type="none" w="med" len="med"/>
-                    </a:lnL>
-                    <a:lnR w="6350" cap="flat" cmpd="sng" algn="ctr">
-                      <a:solidFill>
-                        <a:srgbClr val="000000"/>
-                      </a:solidFill>
-                      <a:prstDash val="solid"/>
-                      <a:round/>
-                      <a:headEnd type="none" w="med" len="med"/>
-                      <a:tailEnd type="none" w="med" len="med"/>
-                    </a:lnR>
-                    <a:lnT w="6350" cap="flat" cmpd="sng" algn="ctr">
-                      <a:solidFill>
-                        <a:srgbClr val="000000"/>
-                      </a:solidFill>
-                      <a:prstDash val="solid"/>
-                      <a:round/>
-                      <a:headEnd type="none" w="med" len="med"/>
-                      <a:tailEnd type="none" w="med" len="med"/>
-                    </a:lnT>
-                    <a:lnB w="6350" cap="flat" cmpd="sng" algn="ctr">
-                      <a:solidFill>
-                        <a:srgbClr val="000000"/>
-                      </a:solidFill>
-                      <a:prstDash val="solid"/>
-                      <a:round/>
-                      <a:headEnd type="none" w="med" len="med"/>
-                      <a:tailEnd type="none" w="med" len="med"/>
-                    </a:lnB>
-                  </a:tcPr>
-                </a:tc>
-                <a:tc>
-                  <a:txBody>
-                    <a:bodyPr/>
-                    <a:lstStyle/>
-                    <a:p>
-                      <a:pPr algn="ctr" fontAlgn="b"/>
-                      <a:r>
-                        <a:rPr lang="fr-FR" sz="1400" b="0" i="0" u="none" strike="noStrike">
-                          <a:solidFill>
-                            <a:srgbClr val="000000"/>
-                          </a:solidFill>
-                          <a:effectLst/>
-                          <a:latin typeface="Calibri"/>
-                        </a:rPr>
                         <a:t>18,3</a:t>
                       </a:r>
                       <a:br>
@@ -32907,6 +32802,82 @@
                           <a:latin typeface="Calibri"/>
                         </a:rPr>
                         <a:t>16%</a:t>
+                      </a:r>
+                    </a:p>
+                  </a:txBody>
+                  <a:tcPr marL="9525" marR="9525" marT="9525" marB="0" anchor="b">
+                    <a:lnL w="6350" cap="flat" cmpd="sng" algn="ctr">
+                      <a:solidFill>
+                        <a:srgbClr val="000000"/>
+                      </a:solidFill>
+                      <a:prstDash val="solid"/>
+                      <a:round/>
+                      <a:headEnd type="none" w="med" len="med"/>
+                      <a:tailEnd type="none" w="med" len="med"/>
+                    </a:lnL>
+                    <a:lnR w="6350" cap="flat" cmpd="sng" algn="ctr">
+                      <a:solidFill>
+                        <a:srgbClr val="000000"/>
+                      </a:solidFill>
+                      <a:prstDash val="solid"/>
+                      <a:round/>
+                      <a:headEnd type="none" w="med" len="med"/>
+                      <a:tailEnd type="none" w="med" len="med"/>
+                    </a:lnR>
+                    <a:lnT w="6350" cap="flat" cmpd="sng" algn="ctr">
+                      <a:solidFill>
+                        <a:srgbClr val="000000"/>
+                      </a:solidFill>
+                      <a:prstDash val="solid"/>
+                      <a:round/>
+                      <a:headEnd type="none" w="med" len="med"/>
+                      <a:tailEnd type="none" w="med" len="med"/>
+                    </a:lnT>
+                    <a:lnB w="6350" cap="flat" cmpd="sng" algn="ctr">
+                      <a:solidFill>
+                        <a:srgbClr val="000000"/>
+                      </a:solidFill>
+                      <a:prstDash val="solid"/>
+                      <a:round/>
+                      <a:headEnd type="none" w="med" len="med"/>
+                      <a:tailEnd type="none" w="med" len="med"/>
+                    </a:lnB>
+                  </a:tcPr>
+                </a:tc>
+                <a:tc>
+                  <a:txBody>
+                    <a:bodyPr/>
+                    <a:lstStyle/>
+                    <a:p>
+                      <a:pPr algn="ctr" fontAlgn="b"/>
+                      <a:r>
+                        <a:rPr lang="fr-FR" sz="1400" b="0" i="0" u="none" strike="noStrike">
+                          <a:solidFill>
+                            <a:srgbClr val="000000"/>
+                          </a:solidFill>
+                          <a:effectLst/>
+                          <a:latin typeface="Calibri"/>
+                        </a:rPr>
+                        <a:t>13,9</a:t>
+                      </a:r>
+                      <a:br>
+                        <a:rPr lang="fr-FR" sz="1400" b="0" i="0" u="none" strike="noStrike">
+                          <a:solidFill>
+                            <a:srgbClr val="000000"/>
+                          </a:solidFill>
+                          <a:effectLst/>
+                          <a:latin typeface="Calibri"/>
+                        </a:rPr>
+                      </a:br>
+                      <a:r>
+                        <a:rPr lang="fr-FR" sz="1400" b="0" i="0" u="none" strike="noStrike">
+                          <a:solidFill>
+                            <a:srgbClr val="000000"/>
+                          </a:solidFill>
+                          <a:effectLst/>
+                          <a:latin typeface="Calibri"/>
+                        </a:rPr>
+                        <a:t>7%</a:t>
                       </a:r>
                     </a:p>
                   </a:txBody>
@@ -33101,82 +33072,6 @@
                           <a:effectLst/>
                           <a:latin typeface="Calibri"/>
                         </a:rPr>
-                        <a:t>18,1</a:t>
-                      </a:r>
-                      <a:br>
-                        <a:rPr lang="fr-FR" sz="1400" b="0" i="0" u="none" strike="noStrike">
-                          <a:solidFill>
-                            <a:srgbClr val="000000"/>
-                          </a:solidFill>
-                          <a:effectLst/>
-                          <a:latin typeface="Calibri"/>
-                        </a:rPr>
-                      </a:br>
-                      <a:r>
-                        <a:rPr lang="fr-FR" sz="1400" b="0" i="0" u="none" strike="noStrike">
-                          <a:solidFill>
-                            <a:srgbClr val="000000"/>
-                          </a:solidFill>
-                          <a:effectLst/>
-                          <a:latin typeface="Calibri"/>
-                        </a:rPr>
-                        <a:t>12%</a:t>
-                      </a:r>
-                    </a:p>
-                  </a:txBody>
-                  <a:tcPr marL="9525" marR="9525" marT="9525" marB="0" anchor="b">
-                    <a:lnL w="6350" cap="flat" cmpd="sng" algn="ctr">
-                      <a:solidFill>
-                        <a:srgbClr val="000000"/>
-                      </a:solidFill>
-                      <a:prstDash val="solid"/>
-                      <a:round/>
-                      <a:headEnd type="none" w="med" len="med"/>
-                      <a:tailEnd type="none" w="med" len="med"/>
-                    </a:lnL>
-                    <a:lnR w="6350" cap="flat" cmpd="sng" algn="ctr">
-                      <a:solidFill>
-                        <a:srgbClr val="000000"/>
-                      </a:solidFill>
-                      <a:prstDash val="solid"/>
-                      <a:round/>
-                      <a:headEnd type="none" w="med" len="med"/>
-                      <a:tailEnd type="none" w="med" len="med"/>
-                    </a:lnR>
-                    <a:lnT w="6350" cap="flat" cmpd="sng" algn="ctr">
-                      <a:solidFill>
-                        <a:srgbClr val="000000"/>
-                      </a:solidFill>
-                      <a:prstDash val="solid"/>
-                      <a:round/>
-                      <a:headEnd type="none" w="med" len="med"/>
-                      <a:tailEnd type="none" w="med" len="med"/>
-                    </a:lnT>
-                    <a:lnB w="6350" cap="flat" cmpd="sng" algn="ctr">
-                      <a:solidFill>
-                        <a:srgbClr val="000000"/>
-                      </a:solidFill>
-                      <a:prstDash val="solid"/>
-                      <a:round/>
-                      <a:headEnd type="none" w="med" len="med"/>
-                      <a:tailEnd type="none" w="med" len="med"/>
-                    </a:lnB>
-                  </a:tcPr>
-                </a:tc>
-                <a:tc>
-                  <a:txBody>
-                    <a:bodyPr/>
-                    <a:lstStyle/>
-                    <a:p>
-                      <a:pPr algn="ctr" fontAlgn="b"/>
-                      <a:r>
-                        <a:rPr lang="fr-FR" sz="1400" b="0" i="0" u="none" strike="noStrike">
-                          <a:solidFill>
-                            <a:srgbClr val="000000"/>
-                          </a:solidFill>
-                          <a:effectLst/>
-                          <a:latin typeface="Calibri"/>
-                        </a:rPr>
                         <a:t>18,7</a:t>
                       </a:r>
                       <a:br>
@@ -33246,7 +33141,7 @@
                     <a:p>
                       <a:pPr algn="ctr" fontAlgn="b"/>
                       <a:r>
-                        <a:rPr lang="fr-FR" sz="1400" b="0" i="0" u="none" strike="noStrike" dirty="0">
+                        <a:rPr lang="fr-FR" sz="1400" b="0" i="0" u="none" strike="noStrike">
                           <a:solidFill>
                             <a:srgbClr val="000000"/>
                           </a:solidFill>
@@ -33256,7 +33151,7 @@
                         <a:t>14,4</a:t>
                       </a:r>
                       <a:br>
-                        <a:rPr lang="fr-FR" sz="1400" b="0" i="0" u="none" strike="noStrike" dirty="0">
+                        <a:rPr lang="fr-FR" sz="1400" b="0" i="0" u="none" strike="noStrike">
                           <a:solidFill>
                             <a:srgbClr val="000000"/>
                           </a:solidFill>
@@ -33265,7 +33160,7 @@
                         </a:rPr>
                       </a:br>
                       <a:r>
-                        <a:rPr lang="fr-FR" sz="1400" b="0" i="0" u="none" strike="noStrike" dirty="0">
+                        <a:rPr lang="fr-FR" sz="1400" b="0" i="0" u="none" strike="noStrike">
                           <a:solidFill>
                             <a:srgbClr val="000000"/>
                           </a:solidFill>
@@ -33273,6 +33168,82 @@
                           <a:latin typeface="Calibri"/>
                         </a:rPr>
                         <a:t>27%</a:t>
+                      </a:r>
+                    </a:p>
+                  </a:txBody>
+                  <a:tcPr marL="9525" marR="9525" marT="9525" marB="0" anchor="b">
+                    <a:lnL w="6350" cap="flat" cmpd="sng" algn="ctr">
+                      <a:solidFill>
+                        <a:srgbClr val="000000"/>
+                      </a:solidFill>
+                      <a:prstDash val="solid"/>
+                      <a:round/>
+                      <a:headEnd type="none" w="med" len="med"/>
+                      <a:tailEnd type="none" w="med" len="med"/>
+                    </a:lnL>
+                    <a:lnR w="6350" cap="flat" cmpd="sng" algn="ctr">
+                      <a:solidFill>
+                        <a:srgbClr val="000000"/>
+                      </a:solidFill>
+                      <a:prstDash val="solid"/>
+                      <a:round/>
+                      <a:headEnd type="none" w="med" len="med"/>
+                      <a:tailEnd type="none" w="med" len="med"/>
+                    </a:lnR>
+                    <a:lnT w="6350" cap="flat" cmpd="sng" algn="ctr">
+                      <a:solidFill>
+                        <a:srgbClr val="000000"/>
+                      </a:solidFill>
+                      <a:prstDash val="solid"/>
+                      <a:round/>
+                      <a:headEnd type="none" w="med" len="med"/>
+                      <a:tailEnd type="none" w="med" len="med"/>
+                    </a:lnT>
+                    <a:lnB w="6350" cap="flat" cmpd="sng" algn="ctr">
+                      <a:solidFill>
+                        <a:srgbClr val="000000"/>
+                      </a:solidFill>
+                      <a:prstDash val="solid"/>
+                      <a:round/>
+                      <a:headEnd type="none" w="med" len="med"/>
+                      <a:tailEnd type="none" w="med" len="med"/>
+                    </a:lnB>
+                  </a:tcPr>
+                </a:tc>
+                <a:tc>
+                  <a:txBody>
+                    <a:bodyPr/>
+                    <a:lstStyle/>
+                    <a:p>
+                      <a:pPr algn="ctr" fontAlgn="b"/>
+                      <a:r>
+                        <a:rPr lang="fr-FR" sz="1400" b="0" i="0" u="none" strike="noStrike">
+                          <a:solidFill>
+                            <a:srgbClr val="000000"/>
+                          </a:solidFill>
+                          <a:effectLst/>
+                          <a:latin typeface="Calibri"/>
+                        </a:rPr>
+                        <a:t>18,1</a:t>
+                      </a:r>
+                      <a:br>
+                        <a:rPr lang="fr-FR" sz="1400" b="0" i="0" u="none" strike="noStrike">
+                          <a:solidFill>
+                            <a:srgbClr val="000000"/>
+                          </a:solidFill>
+                          <a:effectLst/>
+                          <a:latin typeface="Calibri"/>
+                        </a:rPr>
+                      </a:br>
+                      <a:r>
+                        <a:rPr lang="fr-FR" sz="1400" b="0" i="0" u="none" strike="noStrike">
+                          <a:solidFill>
+                            <a:srgbClr val="000000"/>
+                          </a:solidFill>
+                          <a:effectLst/>
+                          <a:latin typeface="Calibri"/>
+                        </a:rPr>
+                        <a:t>12%</a:t>
                       </a:r>
                     </a:p>
                   </a:txBody>
@@ -33414,7 +33385,7 @@
                     <a:p>
                       <a:pPr algn="ctr" fontAlgn="b"/>
                       <a:r>
-                        <a:rPr lang="fr-FR" sz="1400" b="0" i="0" u="none" strike="noStrike" dirty="0">
+                        <a:rPr lang="fr-FR" sz="1400" b="0" i="0" u="none" strike="noStrike">
                           <a:solidFill>
                             <a:srgbClr val="000000"/>
                           </a:solidFill>
@@ -33424,7 +33395,7 @@
                         <a:t>52961</a:t>
                       </a:r>
                       <a:br>
-                        <a:rPr lang="fr-FR" sz="1400" b="0" i="0" u="none" strike="noStrike" dirty="0">
+                        <a:rPr lang="fr-FR" sz="1400" b="0" i="0" u="none" strike="noStrike">
                           <a:solidFill>
                             <a:srgbClr val="000000"/>
                           </a:solidFill>
@@ -33433,7 +33404,7 @@
                         </a:rPr>
                       </a:br>
                       <a:r>
-                        <a:rPr lang="fr-FR" sz="1400" b="0" i="0" u="none" strike="noStrike" dirty="0">
+                        <a:rPr lang="fr-FR" sz="1400" b="0" i="0" u="none" strike="noStrike">
                           <a:solidFill>
                             <a:srgbClr val="000000"/>
                           </a:solidFill>
@@ -33490,17 +33461,17 @@
                     <a:p>
                       <a:pPr algn="ctr" fontAlgn="b"/>
                       <a:r>
-                        <a:rPr lang="fr-FR" sz="1400" b="0" i="0" u="none" strike="noStrike" dirty="0">
+                        <a:rPr lang="fr-FR" sz="1400" b="0" i="0" u="none" strike="noStrike">
                           <a:solidFill>
                             <a:srgbClr val="000000"/>
                           </a:solidFill>
                           <a:effectLst/>
                           <a:latin typeface="Calibri"/>
                         </a:rPr>
-                        <a:t>75382</a:t>
+                        <a:t>59346</a:t>
                       </a:r>
                       <a:br>
-                        <a:rPr lang="fr-FR" sz="1400" b="0" i="0" u="none" strike="noStrike" dirty="0">
+                        <a:rPr lang="fr-FR" sz="1400" b="0" i="0" u="none" strike="noStrike">
                           <a:solidFill>
                             <a:srgbClr val="000000"/>
                           </a:solidFill>
@@ -33509,7 +33480,7 @@
                         </a:rPr>
                       </a:br>
                       <a:r>
-                        <a:rPr lang="fr-FR" sz="1400" b="0" i="0" u="none" strike="noStrike" dirty="0">
+                        <a:rPr lang="fr-FR" sz="1400" b="0" i="0" u="none" strike="noStrike">
                           <a:solidFill>
                             <a:srgbClr val="000000"/>
                           </a:solidFill>
@@ -33566,17 +33537,17 @@
                     <a:p>
                       <a:pPr algn="ctr" fontAlgn="b"/>
                       <a:r>
-                        <a:rPr lang="fr-FR" sz="1400" b="0" i="0" u="none" strike="noStrike" dirty="0">
+                        <a:rPr lang="fr-FR" sz="1400" b="0" i="0" u="none" strike="noStrike">
                           <a:solidFill>
                             <a:srgbClr val="000000"/>
                           </a:solidFill>
                           <a:effectLst/>
                           <a:latin typeface="Calibri"/>
                         </a:rPr>
-                        <a:t>59346</a:t>
+                        <a:t>38242</a:t>
                       </a:r>
                       <a:br>
-                        <a:rPr lang="fr-FR" sz="1400" b="0" i="0" u="none" strike="noStrike" dirty="0">
+                        <a:rPr lang="fr-FR" sz="1400" b="0" i="0" u="none" strike="noStrike">
                           <a:solidFill>
                             <a:srgbClr val="000000"/>
                           </a:solidFill>
@@ -33585,14 +33556,14 @@
                         </a:rPr>
                       </a:br>
                       <a:r>
-                        <a:rPr lang="fr-FR" sz="1400" b="0" i="0" u="none" strike="noStrike" dirty="0">
+                        <a:rPr lang="fr-FR" sz="1400" b="0" i="0" u="none" strike="noStrike">
                           <a:solidFill>
                             <a:srgbClr val="000000"/>
                           </a:solidFill>
                           <a:effectLst/>
                           <a:latin typeface="Calibri"/>
                         </a:rPr>
-                        <a:t>15%</a:t>
+                        <a:t>10%</a:t>
                       </a:r>
                     </a:p>
                   </a:txBody>
@@ -33642,17 +33613,17 @@
                     <a:p>
                       <a:pPr algn="ctr" fontAlgn="b"/>
                       <a:r>
-                        <a:rPr lang="fr-FR" sz="1400" b="0" i="0" u="none" strike="noStrike" dirty="0">
+                        <a:rPr lang="fr-FR" sz="1400" b="0" i="0" u="none" strike="noStrike">
                           <a:solidFill>
                             <a:srgbClr val="000000"/>
                           </a:solidFill>
                           <a:effectLst/>
                           <a:latin typeface="Calibri"/>
                         </a:rPr>
-                        <a:t>38242</a:t>
+                        <a:t>75382</a:t>
                       </a:r>
                       <a:br>
-                        <a:rPr lang="fr-FR" sz="1400" b="0" i="0" u="none" strike="noStrike" dirty="0">
+                        <a:rPr lang="fr-FR" sz="1400" b="0" i="0" u="none" strike="noStrike">
                           <a:solidFill>
                             <a:srgbClr val="000000"/>
                           </a:solidFill>
@@ -33661,14 +33632,14 @@
                         </a:rPr>
                       </a:br>
                       <a:r>
-                        <a:rPr lang="fr-FR" sz="1400" b="0" i="0" u="none" strike="noStrike" dirty="0">
+                        <a:rPr lang="fr-FR" sz="1400" b="0" i="0" u="none" strike="noStrike">
                           <a:solidFill>
                             <a:srgbClr val="000000"/>
                           </a:solidFill>
                           <a:effectLst/>
                           <a:latin typeface="Calibri"/>
                         </a:rPr>
-                        <a:t>10%</a:t>
+                        <a:t>15%</a:t>
                       </a:r>
                     </a:p>
                   </a:txBody>
@@ -33856,17 +33827,17 @@
                     <a:p>
                       <a:pPr algn="ctr" fontAlgn="b"/>
                       <a:r>
-                        <a:rPr lang="fr-FR" sz="1400" b="0" i="0" u="none" strike="noStrike">
+                        <a:rPr lang="fr-FR" sz="1400" b="0" i="0" u="none" strike="noStrike" dirty="0">
                           <a:solidFill>
                             <a:srgbClr val="000000"/>
                           </a:solidFill>
                           <a:effectLst/>
                           <a:latin typeface="Calibri"/>
                         </a:rPr>
-                        <a:t>44</a:t>
+                        <a:t>34</a:t>
                       </a:r>
                       <a:br>
-                        <a:rPr lang="fr-FR" sz="1400" b="0" i="0" u="none" strike="noStrike">
+                        <a:rPr lang="fr-FR" sz="1400" b="0" i="0" u="none" strike="noStrike" dirty="0">
                           <a:solidFill>
                             <a:srgbClr val="000000"/>
                           </a:solidFill>
@@ -33875,14 +33846,14 @@
                         </a:rPr>
                       </a:br>
                       <a:r>
-                        <a:rPr lang="fr-FR" sz="1400" b="0" i="0" u="none" strike="noStrike">
+                        <a:rPr lang="fr-FR" sz="1400" b="0" i="0" u="none" strike="noStrike" dirty="0">
                           <a:solidFill>
                             <a:srgbClr val="000000"/>
                           </a:solidFill>
                           <a:effectLst/>
                           <a:latin typeface="Calibri"/>
                         </a:rPr>
-                        <a:t>2%</a:t>
+                        <a:t>4%</a:t>
                       </a:r>
                     </a:p>
                   </a:txBody>
@@ -33939,7 +33910,7 @@
                           <a:effectLst/>
                           <a:latin typeface="Calibri"/>
                         </a:rPr>
-                        <a:t>34</a:t>
+                        <a:t>32</a:t>
                       </a:r>
                       <a:br>
                         <a:rPr lang="fr-FR" sz="1400" b="0" i="0" u="none" strike="noStrike">
@@ -33958,7 +33929,7 @@
                           <a:effectLst/>
                           <a:latin typeface="Calibri"/>
                         </a:rPr>
-                        <a:t>4%</a:t>
+                        <a:t>10%</a:t>
                       </a:r>
                     </a:p>
                   </a:txBody>
@@ -34015,7 +33986,7 @@
                           <a:effectLst/>
                           <a:latin typeface="Calibri"/>
                         </a:rPr>
-                        <a:t>32</a:t>
+                        <a:t>44</a:t>
                       </a:r>
                       <a:br>
                         <a:rPr lang="fr-FR" sz="1400" b="0" i="0" u="none" strike="noStrike" dirty="0">
@@ -34034,7 +34005,7 @@
                           <a:effectLst/>
                           <a:latin typeface="Calibri"/>
                         </a:rPr>
-                        <a:t>10%</a:t>
+                        <a:t>2%</a:t>
                       </a:r>
                     </a:p>
                   </a:txBody>
@@ -34098,7 +34069,7 @@
         </p:nvGraphicFramePr>
         <p:xfrm>
           <a:off x="107504" y="1127992"/>
-          <a:ext cx="3816424" cy="5253336"/>
+          <a:ext cx="3816424" cy="5349240"/>
         </p:xfrm>
         <a:graphic>
           <a:graphicData uri="http://schemas.openxmlformats.org/drawingml/2006/table">
@@ -34114,9 +34085,9 @@
                     <a:bodyPr/>
                     <a:lstStyle/>
                     <a:p>
-                      <a:pPr algn="l" fontAlgn="ctr"/>
+                      <a:pPr algn="l" rtl="0" fontAlgn="ctr"/>
                       <a:r>
-                        <a:rPr lang="fr-FR" sz="1400" b="1" i="1" u="none" strike="noStrike" dirty="0">
+                        <a:rPr lang="fr-FR" sz="1400" b="1" i="1" u="none" strike="noStrike">
                           <a:solidFill>
                             <a:srgbClr val="10253F"/>
                           </a:solidFill>
@@ -34127,7 +34098,7 @@
                       </a:r>
                     </a:p>
                   </a:txBody>
-                  <a:tcPr marL="99530" marR="5529" marT="5529" marB="0" anchor="ctr">
+                  <a:tcPr marL="85725" marR="9525" marT="9525" marB="0" anchor="ctr">
                     <a:lnL w="19050" cap="flat" cmpd="sng" algn="ctr">
                       <a:solidFill>
                         <a:srgbClr val="000000"/>
@@ -34174,7 +34145,7 @@
                     <a:bodyPr/>
                     <a:lstStyle/>
                     <a:p>
-                      <a:pPr algn="l" fontAlgn="ctr"/>
+                      <a:pPr algn="l" rtl="0" fontAlgn="ctr"/>
                       <a:r>
                         <a:rPr lang="fr-FR" sz="1400" b="1" i="0" u="none" strike="noStrike">
                           <a:solidFill>
@@ -34187,7 +34158,7 @@
                       </a:r>
                     </a:p>
                   </a:txBody>
-                  <a:tcPr marL="99530" marR="5529" marT="5529" marB="0" anchor="ctr">
+                  <a:tcPr marL="85725" marR="9525" marT="9525" marB="0" anchor="ctr">
                     <a:lnL w="19050" cap="flat" cmpd="sng" algn="ctr">
                       <a:solidFill>
                         <a:srgbClr val="000000"/>
@@ -34246,7 +34217,7 @@
                     <a:bodyPr/>
                     <a:lstStyle/>
                     <a:p>
-                      <a:pPr algn="l" fontAlgn="ctr"/>
+                      <a:pPr algn="l" rtl="0" fontAlgn="ctr"/>
                       <a:r>
                         <a:rPr lang="fr-FR" sz="1400" b="1" i="0" u="none" strike="noStrike">
                           <a:solidFill>
@@ -34279,7 +34250,7 @@
                       </a:r>
                     </a:p>
                   </a:txBody>
-                  <a:tcPr marL="99530" marR="5529" marT="5529" marB="0" anchor="ctr">
+                  <a:tcPr marL="85725" marR="9525" marT="9525" marB="0" anchor="ctr">
                     <a:lnL w="19050" cap="flat" cmpd="sng" algn="ctr">
                       <a:solidFill>
                         <a:srgbClr val="000000"/>
@@ -34338,7 +34309,7 @@
                     <a:bodyPr/>
                     <a:lstStyle/>
                     <a:p>
-                      <a:pPr algn="l" fontAlgn="ctr"/>
+                      <a:pPr algn="l" rtl="0" fontAlgn="ctr"/>
                       <a:r>
                         <a:rPr lang="fr-FR" sz="1400" b="1" i="0" u="none" strike="noStrike">
                           <a:solidFill>
@@ -34351,7 +34322,7 @@
                       </a:r>
                     </a:p>
                   </a:txBody>
-                  <a:tcPr marL="99530" marR="5529" marT="5529" marB="0" anchor="ctr">
+                  <a:tcPr marL="85725" marR="9525" marT="9525" marB="0" anchor="ctr">
                     <a:lnL w="19050" cap="flat" cmpd="sng" algn="ctr">
                       <a:solidFill>
                         <a:srgbClr val="000000"/>
@@ -34410,30 +34381,20 @@
                     <a:bodyPr/>
                     <a:lstStyle/>
                     <a:p>
-                      <a:pPr algn="l" fontAlgn="ctr"/>
+                      <a:pPr algn="l" rtl="0" fontAlgn="ctr"/>
                       <a:r>
-                        <a:rPr lang="fr-FR" sz="1400" b="1" i="0" u="none" strike="noStrike" dirty="0" err="1">
+                        <a:rPr lang="fr-FR" sz="1400" b="1" i="0" u="none" strike="noStrike">
                           <a:solidFill>
                             <a:srgbClr val="000000"/>
                           </a:solidFill>
                           <a:effectLst/>
                           <a:latin typeface="Lucida Sans Unicode"/>
                         </a:rPr>
-                        <a:t>Burn</a:t>
-                      </a:r>
-                      <a:r>
-                        <a:rPr lang="fr-FR" sz="1400" b="1" i="0" u="none" strike="noStrike" dirty="0">
-                          <a:solidFill>
-                            <a:srgbClr val="000000"/>
-                          </a:solidFill>
-                          <a:effectLst/>
-                          <a:latin typeface="Lucida Sans Unicode"/>
-                        </a:rPr>
-                        <a:t>-Up moyen,</a:t>
+                        <a:t>Burn-Up moyen,</a:t>
                       </a:r>
                     </a:p>
                   </a:txBody>
-                  <a:tcPr marL="99530" marR="5529" marT="5529" marB="0" anchor="ctr">
+                  <a:tcPr marL="85725" marR="9525" marT="9525" marB="0" anchor="ctr">
                     <a:lnL w="19050" cap="flat" cmpd="sng" algn="ctr">
                       <a:solidFill>
                         <a:srgbClr val="000000"/>
@@ -34492,7 +34453,7 @@
                     <a:bodyPr/>
                     <a:lstStyle/>
                     <a:p>
-                      <a:pPr algn="l" fontAlgn="ctr"/>
+                      <a:pPr algn="l" rtl="0" fontAlgn="ctr"/>
                       <a:r>
                         <a:rPr lang="fr-FR" sz="1400" b="1" i="0" u="none" strike="noStrike">
                           <a:solidFill>
@@ -34505,7 +34466,7 @@
                       </a:r>
                     </a:p>
                   </a:txBody>
-                  <a:tcPr marL="99530" marR="5529" marT="5529" marB="0" anchor="ctr">
+                  <a:tcPr marL="85725" marR="9525" marT="9525" marB="0" anchor="ctr">
                     <a:lnL w="19050" cap="flat" cmpd="sng" algn="ctr">
                       <a:solidFill>
                         <a:srgbClr val="000000"/>
@@ -34564,7 +34525,7 @@
                     <a:bodyPr/>
                     <a:lstStyle/>
                     <a:p>
-                      <a:pPr algn="l" fontAlgn="ctr"/>
+                      <a:pPr algn="l" rtl="0" fontAlgn="ctr"/>
                       <a:r>
                         <a:rPr lang="el-GR" sz="1400" b="1" i="0" u="none" strike="noStrike">
                           <a:solidFill>
@@ -34587,7 +34548,7 @@
                       </a:r>
                     </a:p>
                   </a:txBody>
-                  <a:tcPr marL="99530" marR="5529" marT="5529" marB="0" anchor="ctr">
+                  <a:tcPr marL="85725" marR="9525" marT="9525" marB="0" anchor="ctr">
                     <a:lnL w="19050" cap="flat" cmpd="sng" algn="ctr">
                       <a:solidFill>
                         <a:srgbClr val="000000"/>
@@ -34636,9 +34597,9 @@
                     <a:bodyPr/>
                     <a:lstStyle/>
                     <a:p>
-                      <a:pPr algn="l" fontAlgn="ctr"/>
+                      <a:pPr algn="l" rtl="0" fontAlgn="ctr"/>
                       <a:r>
-                        <a:rPr lang="fr-FR" sz="1400" b="1" i="1" u="none" strike="noStrike" dirty="0">
+                        <a:rPr lang="fr-FR" sz="1400" b="1" i="1" u="none" strike="noStrike">
                           <a:solidFill>
                             <a:srgbClr val="10253F"/>
                           </a:solidFill>
@@ -34649,7 +34610,7 @@
                       </a:r>
                     </a:p>
                   </a:txBody>
-                  <a:tcPr marL="99530" marR="5529" marT="5529" marB="0" anchor="ctr">
+                  <a:tcPr marL="85725" marR="9525" marT="9525" marB="0" anchor="ctr">
                     <a:lnL w="19050" cap="flat" cmpd="sng" algn="ctr">
                       <a:solidFill>
                         <a:srgbClr val="000000"/>
@@ -34696,20 +34657,20 @@
                     <a:bodyPr/>
                     <a:lstStyle/>
                     <a:p>
-                      <a:pPr algn="l" fontAlgn="ctr"/>
+                      <a:pPr algn="l" rtl="0" fontAlgn="ctr"/>
                       <a:r>
                         <a:rPr lang="fr-FR" sz="1400" b="1" i="0" u="none" strike="noStrike">
                           <a:solidFill>
-                            <a:srgbClr val="FF0000"/>
+                            <a:srgbClr val="31B363"/>
                           </a:solidFill>
                           <a:effectLst/>
                           <a:latin typeface="Lucida Sans Unicode"/>
                         </a:rPr>
-                        <a:t>Gros cœurs,   </a:t>
+                        <a:t>Petits cœurs, </a:t>
                       </a:r>
                     </a:p>
                   </a:txBody>
-                  <a:tcPr marL="99530" marR="5529" marT="5529" marB="0" anchor="ctr">
+                  <a:tcPr marL="85725" marR="9525" marT="9525" marB="0" anchor="ctr">
                     <a:lnL w="19050" cap="flat" cmpd="sng" algn="ctr">
                       <a:solidFill>
                         <a:srgbClr val="000000"/>
@@ -34768,20 +34729,20 @@
                     <a:bodyPr/>
                     <a:lstStyle/>
                     <a:p>
-                      <a:pPr algn="l" fontAlgn="ctr"/>
+                      <a:pPr algn="l" rtl="0" fontAlgn="ctr"/>
                       <a:r>
                         <a:rPr lang="fr-FR" sz="1400" b="1" i="0" u="none" strike="noStrike">
                           <a:solidFill>
-                            <a:srgbClr val="31B363"/>
+                            <a:srgbClr val="FF0000"/>
                           </a:solidFill>
                           <a:effectLst/>
                           <a:latin typeface="Lucida Sans Unicode"/>
                         </a:rPr>
-                        <a:t>Puissance forte,</a:t>
+                        <a:t>Petite Puissance,</a:t>
                       </a:r>
                     </a:p>
                   </a:txBody>
-                  <a:tcPr marL="99530" marR="5529" marT="5529" marB="0" anchor="ctr">
+                  <a:tcPr marL="85725" marR="9525" marT="9525" marB="0" anchor="ctr">
                     <a:lnL w="19050" cap="flat" cmpd="sng" algn="ctr">
                       <a:solidFill>
                         <a:srgbClr val="000000"/>
@@ -34840,40 +34801,20 @@
                     <a:bodyPr/>
                     <a:lstStyle/>
                     <a:p>
-                      <a:pPr algn="l" fontAlgn="ctr"/>
+                      <a:pPr algn="l" rtl="0" fontAlgn="ctr"/>
                       <a:r>
                         <a:rPr lang="fr-FR" sz="1400" b="1" i="0" u="none" strike="noStrike">
                           <a:solidFill>
-                            <a:srgbClr val="31B363"/>
+                            <a:srgbClr val="FF0000"/>
                           </a:solidFill>
                           <a:effectLst/>
                           <a:latin typeface="Lucida Sans Unicode"/>
                         </a:rPr>
-                        <a:t>Enrichissement </a:t>
-                      </a:r>
-                      <a:r>
-                        <a:rPr lang="fr-FR" sz="1400" b="1" i="0" u="sng" strike="noStrike">
-                          <a:solidFill>
-                            <a:srgbClr val="31B363"/>
-                          </a:solidFill>
-                          <a:effectLst/>
-                          <a:latin typeface="Lucida Sans Unicode"/>
-                        </a:rPr>
-                        <a:t>minimisé</a:t>
-                      </a:r>
-                      <a:r>
-                        <a:rPr lang="fr-FR" sz="1400" b="1" i="0" u="none" strike="noStrike">
-                          <a:solidFill>
-                            <a:srgbClr val="31B363"/>
-                          </a:solidFill>
-                          <a:effectLst/>
-                          <a:latin typeface="Lucida Sans Unicode"/>
-                        </a:rPr>
-                        <a:t>,</a:t>
+                        <a:t>Enrichissement fort,</a:t>
                       </a:r>
                     </a:p>
                   </a:txBody>
-                  <a:tcPr marL="99530" marR="5529" marT="5529" marB="0" anchor="ctr">
+                  <a:tcPr marL="85725" marR="9525" marT="9525" marB="0" anchor="ctr">
                     <a:lnL w="19050" cap="flat" cmpd="sng" algn="ctr">
                       <a:solidFill>
                         <a:srgbClr val="000000"/>
@@ -34932,40 +34873,20 @@
                     <a:bodyPr/>
                     <a:lstStyle/>
                     <a:p>
-                      <a:pPr algn="l" fontAlgn="ctr"/>
+                      <a:pPr algn="l" rtl="0" fontAlgn="ctr"/>
                       <a:r>
                         <a:rPr lang="fr-FR" sz="1400" b="1" i="0" u="none" strike="noStrike">
                           <a:solidFill>
-                            <a:srgbClr val="31B363"/>
+                            <a:srgbClr val="000000"/>
                           </a:solidFill>
                           <a:effectLst/>
                           <a:latin typeface="Lucida Sans Unicode"/>
                         </a:rPr>
-                        <a:t>Burn-Up </a:t>
-                      </a:r>
-                      <a:r>
-                        <a:rPr lang="fr-FR" sz="1400" b="1" i="0" u="sng" strike="noStrike">
-                          <a:solidFill>
-                            <a:srgbClr val="31B363"/>
-                          </a:solidFill>
-                          <a:effectLst/>
-                          <a:latin typeface="Lucida Sans Unicode"/>
-                        </a:rPr>
-                        <a:t>maximisé</a:t>
-                      </a:r>
-                      <a:r>
-                        <a:rPr lang="fr-FR" sz="1400" b="1" i="0" u="none" strike="noStrike">
-                          <a:solidFill>
-                            <a:srgbClr val="31B363"/>
-                          </a:solidFill>
-                          <a:effectLst/>
-                          <a:latin typeface="Lucida Sans Unicode"/>
-                        </a:rPr>
-                        <a:t>,</a:t>
+                        <a:t>Burn-Up moyen,</a:t>
                       </a:r>
                     </a:p>
                   </a:txBody>
-                  <a:tcPr marL="99530" marR="5529" marT="5529" marB="0" anchor="ctr">
+                  <a:tcPr marL="85725" marR="9525" marT="9525" marB="0" anchor="ctr">
                     <a:lnL w="19050" cap="flat" cmpd="sng" algn="ctr">
                       <a:solidFill>
                         <a:srgbClr val="000000"/>
@@ -35024,20 +34945,40 @@
                     <a:bodyPr/>
                     <a:lstStyle/>
                     <a:p>
-                      <a:pPr algn="l" fontAlgn="ctr"/>
+                      <a:pPr algn="l" rtl="0" fontAlgn="ctr"/>
                       <a:r>
-                        <a:rPr lang="fr-FR" sz="1400" b="1" i="0" u="none" strike="noStrike" dirty="0">
+                        <a:rPr lang="fr-FR" sz="1400" b="1" i="0" u="none" strike="noStrike">
                           <a:solidFill>
                             <a:srgbClr val="31B363"/>
                           </a:solidFill>
                           <a:effectLst/>
                           <a:latin typeface="Lucida Sans Unicode"/>
                         </a:rPr>
-                        <a:t>Durée du cycle importante,</a:t>
+                        <a:t>Durée du cycle </a:t>
+                      </a:r>
+                      <a:r>
+                        <a:rPr lang="fr-FR" sz="1400" b="1" i="0" u="sng" strike="noStrike">
+                          <a:solidFill>
+                            <a:srgbClr val="31B363"/>
+                          </a:solidFill>
+                          <a:effectLst/>
+                          <a:latin typeface="Lucida Sans Unicode"/>
+                        </a:rPr>
+                        <a:t>maximisée</a:t>
+                      </a:r>
+                      <a:r>
+                        <a:rPr lang="fr-FR" sz="1400" b="1" i="0" u="none" strike="noStrike">
+                          <a:solidFill>
+                            <a:srgbClr val="31B363"/>
+                          </a:solidFill>
+                          <a:effectLst/>
+                          <a:latin typeface="Lucida Sans Unicode"/>
+                        </a:rPr>
+                        <a:t>,</a:t>
                       </a:r>
                     </a:p>
                   </a:txBody>
-                  <a:tcPr marL="99530" marR="5529" marT="5529" marB="0" anchor="ctr">
+                  <a:tcPr marL="85725" marR="9525" marT="9525" marB="0" anchor="ctr">
                     <a:lnL w="19050" cap="flat" cmpd="sng" algn="ctr">
                       <a:solidFill>
                         <a:srgbClr val="000000"/>
@@ -35096,7 +35037,7 @@
                     <a:bodyPr/>
                     <a:lstStyle/>
                     <a:p>
-                      <a:pPr algn="l" fontAlgn="ctr"/>
+                      <a:pPr algn="l" rtl="0" fontAlgn="ctr"/>
                       <a:r>
                         <a:rPr lang="el-GR" sz="1400" b="1" i="0" u="none" strike="noStrike">
                           <a:solidFill>
@@ -35105,7 +35046,7 @@
                           <a:effectLst/>
                           <a:latin typeface="Lucida Sans Unicode"/>
                         </a:rPr>
-                        <a:t>⇨ α ~ 1 : </a:t>
+                        <a:t>⇨ α ~ 0,7 : </a:t>
                       </a:r>
                       <a:r>
                         <a:rPr lang="fr-FR" sz="1400" b="1" i="0" u="none" strike="noStrike">
@@ -35115,11 +35056,11 @@
                           <a:effectLst/>
                           <a:latin typeface="Lucida Sans Unicode"/>
                         </a:rPr>
-                        <a:t>E1 et E2 ~ 14%</a:t>
+                        <a:t>E1 ~ 15 % et E2 ~ 21%</a:t>
                       </a:r>
                     </a:p>
                   </a:txBody>
-                  <a:tcPr marL="99530" marR="5529" marT="5529" marB="0" anchor="ctr">
+                  <a:tcPr marL="85725" marR="9525" marT="9525" marB="0" anchor="ctr">
                     <a:lnL w="19050" cap="flat" cmpd="sng" algn="ctr">
                       <a:solidFill>
                         <a:srgbClr val="000000"/>
@@ -35168,7 +35109,7 @@
                     <a:bodyPr/>
                     <a:lstStyle/>
                     <a:p>
-                      <a:pPr algn="l" fontAlgn="ctr"/>
+                      <a:pPr algn="l" rtl="0" fontAlgn="ctr"/>
                       <a:r>
                         <a:rPr lang="fr-FR" sz="1400" b="1" i="1" u="none" strike="noStrike">
                           <a:solidFill>
@@ -35181,7 +35122,7 @@
                       </a:r>
                     </a:p>
                   </a:txBody>
-                  <a:tcPr marL="99530" marR="5529" marT="5529" marB="0" anchor="ctr">
+                  <a:tcPr marL="85725" marR="9525" marT="9525" marB="0" anchor="ctr">
                     <a:lnL w="19050" cap="flat" cmpd="sng" algn="ctr">
                       <a:solidFill>
                         <a:srgbClr val="000000"/>
@@ -35228,7 +35169,7 @@
                     <a:bodyPr/>
                     <a:lstStyle/>
                     <a:p>
-                      <a:pPr algn="l" fontAlgn="ctr"/>
+                      <a:pPr algn="l" rtl="0" fontAlgn="ctr"/>
                       <a:r>
                         <a:rPr lang="fr-FR" sz="1400" b="1" i="0" u="none" strike="noStrike">
                           <a:solidFill>
@@ -35237,11 +35178,31 @@
                           <a:effectLst/>
                           <a:latin typeface="Lucida Sans Unicode"/>
                         </a:rPr>
-                        <a:t>Petits cœurs, </a:t>
+                        <a:t>Taille des  cœurs </a:t>
+                      </a:r>
+                      <a:r>
+                        <a:rPr lang="fr-FR" sz="1400" b="1" i="0" u="sng" strike="noStrike">
+                          <a:solidFill>
+                            <a:srgbClr val="31B363"/>
+                          </a:solidFill>
+                          <a:effectLst/>
+                          <a:latin typeface="Lucida Sans Unicode"/>
+                        </a:rPr>
+                        <a:t>minimisés</a:t>
+                      </a:r>
+                      <a:r>
+                        <a:rPr lang="fr-FR" sz="1400" b="1" i="0" u="none" strike="noStrike">
+                          <a:solidFill>
+                            <a:srgbClr val="31B363"/>
+                          </a:solidFill>
+                          <a:effectLst/>
+                          <a:latin typeface="Lucida Sans Unicode"/>
+                        </a:rPr>
+                        <a:t>,</a:t>
                       </a:r>
                     </a:p>
                   </a:txBody>
-                  <a:tcPr marL="99530" marR="5529" marT="5529" marB="0" anchor="ctr">
+                  <a:tcPr marL="85725" marR="9525" marT="9525" marB="0" anchor="ctr">
                     <a:lnL w="19050" cap="flat" cmpd="sng" algn="ctr">
                       <a:solidFill>
                         <a:srgbClr val="000000"/>
@@ -35300,9 +35261,9 @@
                     <a:bodyPr/>
                     <a:lstStyle/>
                     <a:p>
-                      <a:pPr algn="l" fontAlgn="ctr"/>
+                      <a:pPr algn="l" rtl="0" fontAlgn="ctr"/>
                       <a:r>
-                        <a:rPr lang="fr-FR" sz="1400" b="1" i="0" u="none" strike="noStrike" dirty="0">
+                        <a:rPr lang="fr-FR" sz="1400" b="1" i="0" u="none" strike="noStrike">
                           <a:solidFill>
                             <a:srgbClr val="FF0000"/>
                           </a:solidFill>
@@ -35313,7 +35274,7 @@
                       </a:r>
                     </a:p>
                   </a:txBody>
-                  <a:tcPr marL="99530" marR="5529" marT="5529" marB="0" anchor="ctr">
+                  <a:tcPr marL="85725" marR="9525" marT="9525" marB="0" anchor="ctr">
                     <a:lnL w="19050" cap="flat" cmpd="sng" algn="ctr">
                       <a:solidFill>
                         <a:srgbClr val="000000"/>
@@ -35372,7 +35333,7 @@
                     <a:bodyPr/>
                     <a:lstStyle/>
                     <a:p>
-                      <a:pPr algn="l" fontAlgn="ctr"/>
+                      <a:pPr algn="l" rtl="0" fontAlgn="ctr"/>
                       <a:r>
                         <a:rPr lang="fr-FR" sz="1400" b="1" i="0" u="none" strike="noStrike">
                           <a:solidFill>
@@ -35381,11 +35342,11 @@
                           <a:effectLst/>
                           <a:latin typeface="Lucida Sans Unicode"/>
                         </a:rPr>
-                        <a:t>Enrichissement fort,</a:t>
+                        <a:t>Enrichissement très fort,</a:t>
                       </a:r>
                     </a:p>
                   </a:txBody>
-                  <a:tcPr marL="99530" marR="5529" marT="5529" marB="0" anchor="ctr">
+                  <a:tcPr marL="85725" marR="9525" marT="9525" marB="0" anchor="ctr">
                     <a:lnL w="19050" cap="flat" cmpd="sng" algn="ctr">
                       <a:solidFill>
                         <a:srgbClr val="000000"/>
@@ -35444,30 +35405,20 @@
                     <a:bodyPr/>
                     <a:lstStyle/>
                     <a:p>
-                      <a:pPr algn="l" fontAlgn="ctr"/>
+                      <a:pPr algn="l" rtl="0" fontAlgn="ctr"/>
                       <a:r>
-                        <a:rPr lang="fr-FR" sz="1400" b="1" i="0" u="none" strike="noStrike" dirty="0" err="1">
+                        <a:rPr lang="fr-FR" sz="1400" b="1" i="0" u="none" strike="noStrike">
                           <a:solidFill>
-                            <a:srgbClr val="000000"/>
+                            <a:srgbClr val="FF0000"/>
                           </a:solidFill>
                           <a:effectLst/>
                           <a:latin typeface="Lucida Sans Unicode"/>
                         </a:rPr>
-                        <a:t>Burn</a:t>
-                      </a:r>
-                      <a:r>
-                        <a:rPr lang="fr-FR" sz="1400" b="1" i="0" u="none" strike="noStrike" dirty="0">
-                          <a:solidFill>
-                            <a:srgbClr val="000000"/>
-                          </a:solidFill>
-                          <a:effectLst/>
-                          <a:latin typeface="Lucida Sans Unicode"/>
-                        </a:rPr>
-                        <a:t>-Up moyen,</a:t>
+                        <a:t>Burn-Up très faible,</a:t>
                       </a:r>
                     </a:p>
                   </a:txBody>
-                  <a:tcPr marL="99530" marR="5529" marT="5529" marB="0" anchor="ctr">
+                  <a:tcPr marL="85725" marR="9525" marT="9525" marB="0" anchor="ctr">
                     <a:lnL w="19050" cap="flat" cmpd="sng" algn="ctr">
                       <a:solidFill>
                         <a:srgbClr val="000000"/>
@@ -35526,7 +35477,7 @@
                     <a:bodyPr/>
                     <a:lstStyle/>
                     <a:p>
-                      <a:pPr algn="l" fontAlgn="ctr"/>
+                      <a:pPr algn="l" rtl="0" fontAlgn="ctr"/>
                       <a:r>
                         <a:rPr lang="fr-FR" sz="1400" b="1" i="0" u="none" strike="noStrike">
                           <a:solidFill>
@@ -35535,31 +35486,11 @@
                           <a:effectLst/>
                           <a:latin typeface="Lucida Sans Unicode"/>
                         </a:rPr>
-                        <a:t>Durée du cycle </a:t>
-                      </a:r>
-                      <a:r>
-                        <a:rPr lang="fr-FR" sz="1400" b="1" i="0" u="sng" strike="noStrike">
-                          <a:solidFill>
-                            <a:srgbClr val="31B363"/>
-                          </a:solidFill>
-                          <a:effectLst/>
-                          <a:latin typeface="Lucida Sans Unicode"/>
-                        </a:rPr>
-                        <a:t>maximisée</a:t>
-                      </a:r>
-                      <a:r>
-                        <a:rPr lang="fr-FR" sz="1400" b="1" i="0" u="none" strike="noStrike">
-                          <a:solidFill>
-                            <a:srgbClr val="31B363"/>
-                          </a:solidFill>
-                          <a:effectLst/>
-                          <a:latin typeface="Lucida Sans Unicode"/>
-                        </a:rPr>
-                        <a:t>,</a:t>
+                        <a:t>Durée du cycle importante,</a:t>
                       </a:r>
                     </a:p>
                   </a:txBody>
-                  <a:tcPr marL="99530" marR="5529" marT="5529" marB="0" anchor="ctr">
+                  <a:tcPr marL="85725" marR="9525" marT="9525" marB="0" anchor="ctr">
                     <a:lnL w="19050" cap="flat" cmpd="sng" algn="ctr">
                       <a:solidFill>
                         <a:srgbClr val="000000"/>
@@ -35618,30 +35549,30 @@
                     <a:bodyPr/>
                     <a:lstStyle/>
                     <a:p>
-                      <a:pPr algn="l" fontAlgn="ctr"/>
+                      <a:pPr algn="l" rtl="0" fontAlgn="ctr"/>
                       <a:r>
-                        <a:rPr lang="el-GR" sz="1400" b="1" i="0" u="none" strike="noStrike" dirty="0">
+                        <a:rPr lang="el-GR" sz="1400" b="1" i="0" u="none" strike="noStrike">
                           <a:solidFill>
                             <a:srgbClr val="595959"/>
                           </a:solidFill>
                           <a:effectLst/>
                           <a:latin typeface="Lucida Sans Unicode"/>
                         </a:rPr>
-                        <a:t>⇨ α ~ 0,7 : </a:t>
+                        <a:t>⇨ α ~ 0,4 : </a:t>
                       </a:r>
                       <a:r>
-                        <a:rPr lang="fr-FR" sz="1400" b="1" i="0" u="none" strike="noStrike" dirty="0">
+                        <a:rPr lang="fr-FR" sz="1400" b="1" i="0" u="none" strike="noStrike">
                           <a:solidFill>
                             <a:srgbClr val="595959"/>
                           </a:solidFill>
                           <a:effectLst/>
                           <a:latin typeface="Lucida Sans Unicode"/>
                         </a:rPr>
-                        <a:t>E1 ~ 15 % et E2 ~ 21%</a:t>
+                        <a:t>E1 ~ 10 % et E2 ~ 27%</a:t>
                       </a:r>
                     </a:p>
                   </a:txBody>
-                  <a:tcPr marL="99530" marR="5529" marT="5529" marB="0" anchor="ctr">
+                  <a:tcPr marL="85725" marR="9525" marT="9525" marB="0" anchor="ctr">
                     <a:lnL w="19050" cap="flat" cmpd="sng" algn="ctr">
                       <a:solidFill>
                         <a:srgbClr val="000000"/>
@@ -35690,9 +35621,9 @@
                     <a:bodyPr/>
                     <a:lstStyle/>
                     <a:p>
-                      <a:pPr algn="l" fontAlgn="ctr"/>
+                      <a:pPr algn="l" rtl="0" fontAlgn="ctr"/>
                       <a:r>
-                        <a:rPr lang="fr-FR" sz="1400" b="1" i="1" u="none" strike="noStrike" dirty="0">
+                        <a:rPr lang="fr-FR" sz="1400" b="1" i="1" u="none" strike="noStrike">
                           <a:solidFill>
                             <a:srgbClr val="10253F"/>
                           </a:solidFill>
@@ -35703,7 +35634,7 @@
                       </a:r>
                     </a:p>
                   </a:txBody>
-                  <a:tcPr marL="99530" marR="5529" marT="5529" marB="0" anchor="ctr">
+                  <a:tcPr marL="85725" marR="9525" marT="9525" marB="0" anchor="ctr">
                     <a:lnL w="19050" cap="flat" cmpd="sng" algn="ctr">
                       <a:solidFill>
                         <a:srgbClr val="000000"/>
@@ -35750,40 +35681,20 @@
                     <a:bodyPr/>
                     <a:lstStyle/>
                     <a:p>
-                      <a:pPr algn="l" fontAlgn="ctr"/>
+                      <a:pPr algn="l" rtl="0" fontAlgn="ctr"/>
                       <a:r>
-                        <a:rPr lang="fr-FR" sz="1400" b="1" i="0" u="none" strike="noStrike" dirty="0">
+                        <a:rPr lang="fr-FR" sz="1400" b="1" i="0" u="none" strike="noStrike">
                           <a:solidFill>
-                            <a:srgbClr val="31B363"/>
+                            <a:srgbClr val="FF0000"/>
                           </a:solidFill>
                           <a:effectLst/>
                           <a:latin typeface="Lucida Sans Unicode"/>
                         </a:rPr>
-                        <a:t>Taille des  cœurs </a:t>
-                      </a:r>
-                      <a:r>
-                        <a:rPr lang="fr-FR" sz="1400" b="1" i="0" u="sng" strike="noStrike" dirty="0">
-                          <a:solidFill>
-                            <a:srgbClr val="31B363"/>
-                          </a:solidFill>
-                          <a:effectLst/>
-                          <a:latin typeface="Lucida Sans Unicode"/>
-                        </a:rPr>
-                        <a:t>minimisés</a:t>
-                      </a:r>
-                      <a:r>
-                        <a:rPr lang="fr-FR" sz="1400" b="1" i="0" u="none" strike="noStrike" dirty="0">
-                          <a:solidFill>
-                            <a:srgbClr val="31B363"/>
-                          </a:solidFill>
-                          <a:effectLst/>
-                          <a:latin typeface="Lucida Sans Unicode"/>
-                        </a:rPr>
-                        <a:t>,</a:t>
+                        <a:t>Gros cœurs,   </a:t>
                       </a:r>
                     </a:p>
                   </a:txBody>
-                  <a:tcPr marL="99530" marR="5529" marT="5529" marB="0" anchor="ctr">
+                  <a:tcPr marL="85725" marR="9525" marT="9525" marB="0" anchor="ctr">
                     <a:lnL w="19050" cap="flat" cmpd="sng" algn="ctr">
                       <a:solidFill>
                         <a:srgbClr val="000000"/>
@@ -35842,20 +35753,20 @@
                     <a:bodyPr/>
                     <a:lstStyle/>
                     <a:p>
-                      <a:pPr algn="l" fontAlgn="ctr"/>
+                      <a:pPr algn="l" rtl="0" fontAlgn="ctr"/>
                       <a:r>
-                        <a:rPr lang="fr-FR" sz="1400" b="1" i="0" u="none" strike="noStrike" dirty="0">
+                        <a:rPr lang="fr-FR" sz="1400" b="1" i="0" u="none" strike="noStrike">
                           <a:solidFill>
-                            <a:srgbClr val="FF0000"/>
+                            <a:srgbClr val="31B363"/>
                           </a:solidFill>
                           <a:effectLst/>
                           <a:latin typeface="Lucida Sans Unicode"/>
                         </a:rPr>
-                        <a:t>Petite Puissance,</a:t>
+                        <a:t>Puissance forte,</a:t>
                       </a:r>
                     </a:p>
                   </a:txBody>
-                  <a:tcPr marL="99530" marR="5529" marT="5529" marB="0" anchor="ctr">
+                  <a:tcPr marL="85725" marR="9525" marT="9525" marB="0" anchor="ctr">
                     <a:lnL w="19050" cap="flat" cmpd="sng" algn="ctr">
                       <a:solidFill>
                         <a:srgbClr val="000000"/>
@@ -35914,20 +35825,40 @@
                     <a:bodyPr/>
                     <a:lstStyle/>
                     <a:p>
-                      <a:pPr algn="l" fontAlgn="ctr"/>
+                      <a:pPr algn="l" rtl="0" fontAlgn="ctr"/>
                       <a:r>
                         <a:rPr lang="fr-FR" sz="1400" b="1" i="0" u="none" strike="noStrike">
                           <a:solidFill>
-                            <a:srgbClr val="FF0000"/>
+                            <a:srgbClr val="31B363"/>
                           </a:solidFill>
                           <a:effectLst/>
                           <a:latin typeface="Lucida Sans Unicode"/>
                         </a:rPr>
-                        <a:t>Enrichissement très fort,</a:t>
+                        <a:t>Enrichissement </a:t>
+                      </a:r>
+                      <a:r>
+                        <a:rPr lang="fr-FR" sz="1400" b="1" i="0" u="sng" strike="noStrike">
+                          <a:solidFill>
+                            <a:srgbClr val="31B363"/>
+                          </a:solidFill>
+                          <a:effectLst/>
+                          <a:latin typeface="Lucida Sans Unicode"/>
+                        </a:rPr>
+                        <a:t>minimisé</a:t>
+                      </a:r>
+                      <a:r>
+                        <a:rPr lang="fr-FR" sz="1400" b="1" i="0" u="none" strike="noStrike">
+                          <a:solidFill>
+                            <a:srgbClr val="31B363"/>
+                          </a:solidFill>
+                          <a:effectLst/>
+                          <a:latin typeface="Lucida Sans Unicode"/>
+                        </a:rPr>
+                        <a:t>,</a:t>
                       </a:r>
                     </a:p>
                   </a:txBody>
-                  <a:tcPr marL="99530" marR="5529" marT="5529" marB="0" anchor="ctr">
+                  <a:tcPr marL="85725" marR="9525" marT="9525" marB="0" anchor="ctr">
                     <a:lnL w="19050" cap="flat" cmpd="sng" algn="ctr">
                       <a:solidFill>
                         <a:srgbClr val="000000"/>
@@ -35986,20 +35917,40 @@
                     <a:bodyPr/>
                     <a:lstStyle/>
                     <a:p>
-                      <a:pPr algn="l" fontAlgn="ctr"/>
+                      <a:pPr algn="l" rtl="0" fontAlgn="ctr"/>
                       <a:r>
                         <a:rPr lang="fr-FR" sz="1400" b="1" i="0" u="none" strike="noStrike">
                           <a:solidFill>
-                            <a:srgbClr val="FF0000"/>
+                            <a:srgbClr val="31B363"/>
                           </a:solidFill>
                           <a:effectLst/>
                           <a:latin typeface="Lucida Sans Unicode"/>
                         </a:rPr>
-                        <a:t>Burn-Up très faible,</a:t>
+                        <a:t>Burn-Up </a:t>
+                      </a:r>
+                      <a:r>
+                        <a:rPr lang="fr-FR" sz="1400" b="1" i="0" u="sng" strike="noStrike">
+                          <a:solidFill>
+                            <a:srgbClr val="31B363"/>
+                          </a:solidFill>
+                          <a:effectLst/>
+                          <a:latin typeface="Lucida Sans Unicode"/>
+                        </a:rPr>
+                        <a:t>maximisé</a:t>
+                      </a:r>
+                      <a:r>
+                        <a:rPr lang="fr-FR" sz="1400" b="1" i="0" u="none" strike="noStrike">
+                          <a:solidFill>
+                            <a:srgbClr val="31B363"/>
+                          </a:solidFill>
+                          <a:effectLst/>
+                          <a:latin typeface="Lucida Sans Unicode"/>
+                        </a:rPr>
+                        <a:t>,</a:t>
                       </a:r>
                     </a:p>
                   </a:txBody>
-                  <a:tcPr marL="99530" marR="5529" marT="5529" marB="0" anchor="ctr">
+                  <a:tcPr marL="85725" marR="9525" marT="9525" marB="0" anchor="ctr">
                     <a:lnL w="19050" cap="flat" cmpd="sng" algn="ctr">
                       <a:solidFill>
                         <a:srgbClr val="000000"/>
@@ -36058,7 +36009,7 @@
                     <a:bodyPr/>
                     <a:lstStyle/>
                     <a:p>
-                      <a:pPr algn="l" fontAlgn="ctr"/>
+                      <a:pPr algn="l" rtl="0" fontAlgn="ctr"/>
                       <a:r>
                         <a:rPr lang="fr-FR" sz="1400" b="1" i="0" u="none" strike="noStrike">
                           <a:solidFill>
@@ -36071,7 +36022,7 @@
                       </a:r>
                     </a:p>
                   </a:txBody>
-                  <a:tcPr marL="99530" marR="5529" marT="5529" marB="0" anchor="ctr">
+                  <a:tcPr marL="85725" marR="9525" marT="9525" marB="0" anchor="ctr">
                     <a:lnL w="19050" cap="flat" cmpd="sng" algn="ctr">
                       <a:solidFill>
                         <a:srgbClr val="000000"/>
@@ -36130,7 +36081,7 @@
                     <a:bodyPr/>
                     <a:lstStyle/>
                     <a:p>
-                      <a:pPr algn="l" fontAlgn="ctr"/>
+                      <a:pPr algn="l" rtl="0" fontAlgn="ctr"/>
                       <a:r>
                         <a:rPr lang="el-GR" sz="1400" b="1" i="0" u="none" strike="noStrike" dirty="0">
                           <a:solidFill>
@@ -36139,7 +36090,7 @@
                           <a:effectLst/>
                           <a:latin typeface="Lucida Sans Unicode"/>
                         </a:rPr>
-                        <a:t>⇨ α ~ 0,4 : </a:t>
+                        <a:t>⇨ α ~ 1 : </a:t>
                       </a:r>
                       <a:r>
                         <a:rPr lang="fr-FR" sz="1400" b="1" i="0" u="none" strike="noStrike" dirty="0">
@@ -36149,11 +36100,11 @@
                           <a:effectLst/>
                           <a:latin typeface="Lucida Sans Unicode"/>
                         </a:rPr>
-                        <a:t>E1 ~ 10 % et E2 ~ 27%</a:t>
+                        <a:t>E1 et E2 ~ 14%</a:t>
                       </a:r>
                     </a:p>
                   </a:txBody>
-                  <a:tcPr marL="99530" marR="5529" marT="5529" marB="0" anchor="ctr">
+                  <a:tcPr marL="85725" marR="9525" marT="9525" marB="0" anchor="ctr">
                     <a:lnL w="19050" cap="flat" cmpd="sng" algn="ctr">
                       <a:solidFill>
                         <a:srgbClr val="000000"/>
@@ -36200,68 +36151,6 @@
           </a:graphicData>
         </a:graphic>
       </p:graphicFrame>
-      <p:pic>
-        <p:nvPicPr>
-          <p:cNvPr id="305" name="Picture 6"/>
-          <p:cNvPicPr>
-            <a:picLocks noChangeAspect="1" noChangeArrowheads="1"/>
-          </p:cNvPicPr>
-          <p:nvPr/>
-        </p:nvPicPr>
-        <p:blipFill rotWithShape="1">
-          <a:blip r:embed="rId2">
-            <a:extLst>
-              <a:ext uri="{28A0092B-C50C-407E-A947-70E740481C1C}">
-                <a14:useLocalDpi xmlns:a14="http://schemas.microsoft.com/office/drawing/2010/main" val="0"/>
-              </a:ext>
-            </a:extLst>
-          </a:blip>
-          <a:srcRect l="3324"/>
-          <a:stretch/>
-        </p:blipFill>
-        <p:spPr bwMode="auto">
-          <a:xfrm>
-            <a:off x="4211960" y="4766386"/>
-            <a:ext cx="4577669" cy="2118998"/>
-          </a:xfrm>
-          <a:prstGeom prst="rect">
-            <a:avLst/>
-          </a:prstGeom>
-          <a:noFill/>
-          <a:ln>
-            <a:noFill/>
-          </a:ln>
-          <a:effectLst/>
-          <a:extLst>
-            <a:ext uri="{909E8E84-426E-40DD-AFC4-6F175D3DCCD1}">
-              <a14:hiddenFill xmlns:a14="http://schemas.microsoft.com/office/drawing/2010/main">
-                <a:solidFill>
-                  <a:schemeClr val="accent1"/>
-                </a:solidFill>
-              </a14:hiddenFill>
-            </a:ext>
-            <a:ext uri="{91240B29-F687-4F45-9708-019B960494DF}">
-              <a14:hiddenLine xmlns:a14="http://schemas.microsoft.com/office/drawing/2010/main" w="9525">
-                <a:solidFill>
-                  <a:schemeClr val="tx1"/>
-                </a:solidFill>
-                <a:miter lim="800000"/>
-                <a:headEnd/>
-                <a:tailEnd/>
-              </a14:hiddenLine>
-            </a:ext>
-            <a:ext uri="{AF507438-7753-43E0-B8FC-AC1667EBCBE1}">
-              <a14:hiddenEffects xmlns:a14="http://schemas.microsoft.com/office/drawing/2010/main">
-                <a:effectLst>
-                  <a:outerShdw dist="35921" dir="2700000" algn="ctr" rotWithShape="0">
-                    <a:schemeClr val="bg2"/>
-                  </a:outerShdw>
-                </a:effectLst>
-              </a14:hiddenEffects>
-            </a:ext>
-          </a:extLst>
-        </p:spPr>
-      </p:pic>
     </p:spTree>
     <p:extLst>
       <p:ext uri="{BB962C8B-B14F-4D97-AF65-F5344CB8AC3E}">
@@ -46637,18 +46526,18 @@
 </file>
 
 <file path=customXml/item1.xml><?xml version="1.0" encoding="utf-8"?>
+<p:properties xmlns:p="http://schemas.microsoft.com/office/2006/metadata/properties" xmlns:xsi="http://www.w3.org/2001/XMLSchema-instance" xmlns:pc="http://schemas.microsoft.com/office/infopath/2007/PartnerControls">
+  <documentManagement/>
+</p:properties>
+</file>
+
+<file path=customXml/item2.xml><?xml version="1.0" encoding="utf-8"?>
 <?mso-contentType ?>
 <FormTemplates xmlns="http://schemas.microsoft.com/sharepoint/v3/contenttype/forms">
   <Display>DocumentLibraryForm</Display>
   <Edit>DocumentLibraryForm</Edit>
   <New>DocumentLibraryForm</New>
 </FormTemplates>
-</file>
-
-<file path=customXml/item2.xml><?xml version="1.0" encoding="utf-8"?>
-<p:properties xmlns:p="http://schemas.microsoft.com/office/2006/metadata/properties" xmlns:xsi="http://www.w3.org/2001/XMLSchema-instance" xmlns:pc="http://schemas.microsoft.com/office/infopath/2007/PartnerControls">
-  <documentManagement/>
-</p:properties>
 </file>
 
 <file path=customXml/item3.xml><?xml version="1.0" encoding="utf-8"?>
@@ -46701,14 +46590,6 @@
 </file>
 
 <file path=customXml/itemProps1.xml><?xml version="1.0" encoding="utf-8"?>
-<ds:datastoreItem xmlns:ds="http://schemas.openxmlformats.org/officeDocument/2006/customXml" ds:itemID="{5DF899FF-3809-4048-A71C-B0B3BE042AD0}">
-  <ds:schemaRefs>
-    <ds:schemaRef ds:uri="http://schemas.microsoft.com/sharepoint/v3/contenttype/forms"/>
-  </ds:schemaRefs>
-</ds:datastoreItem>
-</file>
-
-<file path=customXml/itemProps2.xml><?xml version="1.0" encoding="utf-8"?>
 <ds:datastoreItem xmlns:ds="http://schemas.openxmlformats.org/officeDocument/2006/customXml" ds:itemID="{DD7C5851-FB90-405D-A6D1-A044D983A88B}">
   <ds:schemaRefs>
     <ds:schemaRef ds:uri="http://www.w3.org/XML/1998/namespace"/>
@@ -46719,6 +46600,14 @@
     <ds:schemaRef ds:uri="http://purl.org/dc/dcmitype/"/>
     <ds:schemaRef ds:uri="http://schemas.microsoft.com/office/2006/metadata/properties"/>
     <ds:schemaRef ds:uri="http://schemas.microsoft.com/office/infopath/2007/PartnerControls"/>
+  </ds:schemaRefs>
+</ds:datastoreItem>
+</file>
+
+<file path=customXml/itemProps2.xml><?xml version="1.0" encoding="utf-8"?>
+<ds:datastoreItem xmlns:ds="http://schemas.openxmlformats.org/officeDocument/2006/customXml" ds:itemID="{5DF899FF-3809-4048-A71C-B0B3BE042AD0}">
+  <ds:schemaRefs>
+    <ds:schemaRef ds:uri="http://schemas.microsoft.com/sharepoint/v3/contenttype/forms"/>
   </ds:schemaRefs>
 </ds:datastoreItem>
 </file>
